--- a/Courses/Computer-Modeling-and-IT/Computer-Modeling-and-IT-5-Class/30-Introduction-To-Spreadsheets/30-Introduction-To-Spreadsheets.pptx
+++ b/Courses/Computer-Modeling-and-IT/Computer-Modeling-and-IT-5-Class/30-Introduction-To-Spreadsheets/30-Introduction-To-Spreadsheets.pptx
@@ -5,10 +5,10 @@
     <p:sldMasterId id="2147483675" r:id="rId1"/>
   </p:sldMasterIdLst>
   <p:notesMasterIdLst>
-    <p:notesMasterId r:id="rId19"/>
+    <p:notesMasterId r:id="rId23"/>
   </p:notesMasterIdLst>
   <p:handoutMasterIdLst>
-    <p:handoutMasterId r:id="rId20"/>
+    <p:handoutMasterId r:id="rId24"/>
   </p:handoutMasterIdLst>
   <p:sldIdLst>
     <p:sldId id="503" r:id="rId2"/>
@@ -22,12 +22,16 @@
     <p:sldId id="593" r:id="rId10"/>
     <p:sldId id="594" r:id="rId11"/>
     <p:sldId id="595" r:id="rId12"/>
-    <p:sldId id="596" r:id="rId13"/>
+    <p:sldId id="599" r:id="rId13"/>
     <p:sldId id="597" r:id="rId14"/>
-    <p:sldId id="598" r:id="rId15"/>
-    <p:sldId id="586" r:id="rId16"/>
-    <p:sldId id="504" r:id="rId17"/>
-    <p:sldId id="505" r:id="rId18"/>
+    <p:sldId id="603" r:id="rId15"/>
+    <p:sldId id="598" r:id="rId16"/>
+    <p:sldId id="600" r:id="rId17"/>
+    <p:sldId id="601" r:id="rId18"/>
+    <p:sldId id="602" r:id="rId19"/>
+    <p:sldId id="586" r:id="rId20"/>
+    <p:sldId id="504" r:id="rId21"/>
+    <p:sldId id="505" r:id="rId22"/>
   </p:sldIdLst>
   <p:sldSz cx="12192000" cy="6858000"/>
   <p:notesSz cx="6858000" cy="9144000"/>
@@ -154,13 +158,17 @@
             <p14:sldId id="593"/>
             <p14:sldId id="594"/>
             <p14:sldId id="595"/>
-            <p14:sldId id="596"/>
+            <p14:sldId id="599"/>
           </p14:sldIdLst>
         </p14:section>
         <p14:section name="Редактиране и въвеждане на данни" id="{AAFB8A23-C012-403E-A3A6-EB20347A9FE0}">
           <p14:sldIdLst>
             <p14:sldId id="597"/>
+            <p14:sldId id="603"/>
             <p14:sldId id="598"/>
+            <p14:sldId id="600"/>
+            <p14:sldId id="601"/>
+            <p14:sldId id="602"/>
           </p14:sldIdLst>
         </p14:section>
         <p14:section name="Заключение" id="{E19D07F1-86E2-47E9-B2AB-7ADC4F89DC12}">
@@ -1268,7 +1276,7 @@
             <a:fld id="{3EBA5BD7-F043-4D1B-AA17-CD412FC534DE}" type="slidenum">
               <a:rPr lang="en-US" smtClean="0"/>
               <a:pPr/>
-              <a:t>15</a:t>
+              <a:t>19</a:t>
             </a:fld>
             <a:endParaRPr lang="en-US" dirty="0"/>
           </a:p>
@@ -1459,7 +1467,7 @@
             <a:fld id="{3EBA5BD7-F043-4D1B-AA17-CD412FC534DE}" type="slidenum">
               <a:rPr lang="en-US" smtClean="0"/>
               <a:pPr/>
-              <a:t>16</a:t>
+              <a:t>20</a:t>
             </a:fld>
             <a:endParaRPr lang="en-US" dirty="0"/>
           </a:p>
@@ -1689,7 +1697,7 @@
             <a:fld id="{3EBA5BD7-F043-4D1B-AA17-CD412FC534DE}" type="slidenum">
               <a:rPr lang="en-US" smtClean="0"/>
               <a:pPr/>
-              <a:t>17</a:t>
+              <a:t>21</a:t>
             </a:fld>
             <a:endParaRPr lang="en-US" dirty="0"/>
           </a:p>
@@ -8777,6 +8785,507 @@
         </p:nvSpPr>
         <p:spPr/>
         <p:txBody>
+          <a:bodyPr/>
+          <a:lstStyle/>
+          <a:p>
+            <a:r>
+              <a:rPr lang="bg-BG" dirty="0" smtClean="0"/>
+              <a:t>Запазване на документ в </a:t>
+            </a:r>
+            <a:r>
+              <a:rPr lang="en-US" dirty="0" smtClean="0"/>
+              <a:t>Excel</a:t>
+            </a:r>
+            <a:endParaRPr lang="en-US" dirty="0"/>
+          </a:p>
+        </p:txBody>
+      </p:sp>
+      <p:pic>
+        <p:nvPicPr>
+          <p:cNvPr id="5" name="Picture 4"/>
+          <p:cNvPicPr>
+            <a:picLocks noChangeAspect="1"/>
+          </p:cNvPicPr>
+          <p:nvPr/>
+        </p:nvPicPr>
+        <p:blipFill rotWithShape="1">
+          <a:blip r:embed="rId2">
+            <a:extLst>
+              <a:ext uri="{28A0092B-C50C-407E-A947-70E740481C1C}">
+                <a14:useLocalDpi xmlns:a14="http://schemas.microsoft.com/office/drawing/2010/main" val="0"/>
+              </a:ext>
+            </a:extLst>
+          </a:blip>
+          <a:srcRect b="3387"/>
+          <a:stretch/>
+        </p:blipFill>
+        <p:spPr>
+          <a:xfrm>
+            <a:off x="0" y="1088999"/>
+            <a:ext cx="12192000" cy="5805001"/>
+          </a:xfrm>
+          <a:prstGeom prst="rect">
+            <a:avLst/>
+          </a:prstGeom>
+        </p:spPr>
+      </p:pic>
+      <p:sp>
+        <p:nvSpPr>
+          <p:cNvPr id="6" name="Rounded Rectangular Callout 5"/>
+          <p:cNvSpPr/>
+          <p:nvPr/>
+        </p:nvSpPr>
+        <p:spPr bwMode="auto">
+          <a:xfrm>
+            <a:off x="1011000" y="2889000"/>
+            <a:ext cx="5400000" cy="1665000"/>
+          </a:xfrm>
+          <a:prstGeom prst="wedgeRoundRectCallout">
+            <a:avLst>
+              <a:gd name="adj1" fmla="val -61860"/>
+              <a:gd name="adj2" fmla="val -137181"/>
+              <a:gd name="adj3" fmla="val 16667"/>
+            </a:avLst>
+          </a:prstGeom>
+          <a:solidFill>
+            <a:schemeClr val="dk2">
+              <a:alpha val="80000"/>
+            </a:schemeClr>
+          </a:solidFill>
+          <a:ln w="19050">
+            <a:solidFill>
+              <a:schemeClr val="tx1">
+                <a:lumMod val="75000"/>
+                <a:alpha val="80000"/>
+              </a:schemeClr>
+            </a:solidFill>
+          </a:ln>
+          <a:effectLst/>
+        </p:spPr>
+        <p:style>
+          <a:lnRef idx="2">
+            <a:schemeClr val="accent1">
+              <a:shade val="50000"/>
+            </a:schemeClr>
+          </a:lnRef>
+          <a:fillRef idx="1001">
+            <a:schemeClr val="dk2"/>
+          </a:fillRef>
+          <a:effectRef idx="0">
+            <a:schemeClr val="accent1"/>
+          </a:effectRef>
+          <a:fontRef idx="minor">
+            <a:schemeClr val="lt1"/>
+          </a:fontRef>
+        </p:style>
+        <p:txBody>
+          <a:bodyPr rot="0" spcFirstLastPara="0" vertOverflow="overflow" horzOverflow="overflow" vert="horz" wrap="square" lIns="91440" tIns="45720" rIns="91440" bIns="45720" numCol="1" spcCol="0" rtlCol="0" fromWordArt="0" anchor="ctr" anchorCtr="0" forceAA="0" compatLnSpc="1">
+            <a:prstTxWarp prst="textNoShape">
+              <a:avLst/>
+            </a:prstTxWarp>
+            <a:noAutofit/>
+          </a:bodyPr>
+          <a:lstStyle/>
+          <a:p>
+            <a:pPr algn="ctr"/>
+            <a:r>
+              <a:rPr lang="bg-BG" sz="2800" b="1" dirty="0" smtClean="0">
+                <a:solidFill>
+                  <a:srgbClr val="FFFFFF"/>
+                </a:solidFill>
+                <a:effectLst>
+                  <a:outerShdw blurRad="38100" dist="38100" dir="2700000" algn="tl">
+                    <a:srgbClr val="000000">
+                      <a:alpha val="43137"/>
+                    </a:srgbClr>
+                  </a:outerShdw>
+                </a:effectLst>
+              </a:rPr>
+              <a:t>Както и при </a:t>
+            </a:r>
+            <a:r>
+              <a:rPr lang="en-US" sz="2800" b="1" dirty="0" smtClean="0">
+                <a:solidFill>
+                  <a:srgbClr val="FFFFFF"/>
+                </a:solidFill>
+                <a:effectLst>
+                  <a:outerShdw blurRad="38100" dist="38100" dir="2700000" algn="tl">
+                    <a:srgbClr val="000000">
+                      <a:alpha val="43137"/>
+                    </a:srgbClr>
+                  </a:outerShdw>
+                </a:effectLst>
+              </a:rPr>
+              <a:t>MS Word</a:t>
+            </a:r>
+            <a:r>
+              <a:rPr lang="bg-BG" sz="2800" b="1" dirty="0" smtClean="0">
+                <a:solidFill>
+                  <a:srgbClr val="FFFFFF"/>
+                </a:solidFill>
+                <a:effectLst>
+                  <a:outerShdw blurRad="38100" dist="38100" dir="2700000" algn="tl">
+                    <a:srgbClr val="000000">
+                      <a:alpha val="43137"/>
+                    </a:srgbClr>
+                  </a:outerShdw>
+                </a:effectLst>
+              </a:rPr>
+              <a:t>, отваряме менюто </a:t>
+            </a:r>
+            <a:r>
+              <a:rPr lang="en-US" sz="2800" b="1" dirty="0" smtClean="0">
+                <a:solidFill>
+                  <a:schemeClr val="bg1">
+                    <a:lumMod val="60000"/>
+                    <a:lumOff val="40000"/>
+                  </a:schemeClr>
+                </a:solidFill>
+                <a:effectLst>
+                  <a:outerShdw blurRad="38100" dist="38100" dir="2700000" algn="tl">
+                    <a:srgbClr val="000000">
+                      <a:alpha val="43137"/>
+                    </a:srgbClr>
+                  </a:outerShdw>
+                </a:effectLst>
+              </a:rPr>
+              <a:t>File</a:t>
+            </a:r>
+            <a:r>
+              <a:rPr lang="en-US" sz="2800" b="1" dirty="0" smtClean="0">
+                <a:solidFill>
+                  <a:srgbClr val="FFFFFF"/>
+                </a:solidFill>
+                <a:effectLst>
+                  <a:outerShdw blurRad="38100" dist="38100" dir="2700000" algn="tl">
+                    <a:srgbClr val="000000">
+                      <a:alpha val="43137"/>
+                    </a:srgbClr>
+                  </a:outerShdw>
+                </a:effectLst>
+              </a:rPr>
+              <a:t> </a:t>
+            </a:r>
+            <a:r>
+              <a:rPr lang="bg-BG" sz="2800" b="1" dirty="0" smtClean="0">
+                <a:solidFill>
+                  <a:srgbClr val="FFFFFF"/>
+                </a:solidFill>
+                <a:effectLst>
+                  <a:outerShdw blurRad="38100" dist="38100" dir="2700000" algn="tl">
+                    <a:srgbClr val="000000">
+                      <a:alpha val="43137"/>
+                    </a:srgbClr>
+                  </a:outerShdw>
+                </a:effectLst>
+              </a:rPr>
+              <a:t>и избираме съответната команда</a:t>
+            </a:r>
+            <a:endParaRPr lang="en-US" sz="2800" b="1" dirty="0">
+              <a:solidFill>
+                <a:schemeClr val="bg1">
+                  <a:lumMod val="60000"/>
+                  <a:lumOff val="40000"/>
+                </a:schemeClr>
+              </a:solidFill>
+              <a:effectLst>
+                <a:outerShdw blurRad="38100" dist="38100" dir="2700000" algn="tl">
+                  <a:srgbClr val="000000">
+                    <a:alpha val="43137"/>
+                  </a:srgbClr>
+                </a:outerShdw>
+              </a:effectLst>
+            </a:endParaRPr>
+          </a:p>
+        </p:txBody>
+      </p:sp>
+    </p:spTree>
+    <p:extLst>
+      <p:ext uri="{BB962C8B-B14F-4D97-AF65-F5344CB8AC3E}">
+        <p14:creationId xmlns:p14="http://schemas.microsoft.com/office/powerpoint/2010/main" val="3941521737"/>
+      </p:ext>
+    </p:extLst>
+  </p:cSld>
+  <p:clrMapOvr>
+    <a:masterClrMapping/>
+  </p:clrMapOvr>
+  <mc:AlternateContent xmlns:mc="http://schemas.openxmlformats.org/markup-compatibility/2006" xmlns:p14="http://schemas.microsoft.com/office/powerpoint/2010/main">
+    <mc:Choice Requires="p14">
+      <p:transition spd="slow" p14:dur="2000" advClick="0" advTm="5000"/>
+    </mc:Choice>
+    <mc:Fallback xmlns="">
+      <p:transition spd="slow" advClick="0" advTm="5000"/>
+    </mc:Fallback>
+  </mc:AlternateContent>
+  <p:timing>
+    <p:tnLst>
+      <p:par>
+        <p:cTn id="1" dur="indefinite" restart="never" nodeType="tmRoot">
+          <p:childTnLst>
+            <p:seq concurrent="1" nextAc="seek">
+              <p:cTn id="2" dur="indefinite" nodeType="mainSeq">
+                <p:childTnLst>
+                  <p:par>
+                    <p:cTn id="3" fill="hold">
+                      <p:stCondLst>
+                        <p:cond delay="indefinite"/>
+                      </p:stCondLst>
+                      <p:childTnLst>
+                        <p:par>
+                          <p:cTn id="4" fill="hold">
+                            <p:stCondLst>
+                              <p:cond delay="0"/>
+                            </p:stCondLst>
+                            <p:childTnLst>
+                              <p:par>
+                                <p:cTn id="5" presetID="1" presetClass="entr" presetSubtype="0" fill="hold" grpId="0" nodeType="clickEffect">
+                                  <p:stCondLst>
+                                    <p:cond delay="0"/>
+                                  </p:stCondLst>
+                                  <p:childTnLst>
+                                    <p:set>
+                                      <p:cBhvr>
+                                        <p:cTn id="6" dur="1" fill="hold">
+                                          <p:stCondLst>
+                                            <p:cond delay="0"/>
+                                          </p:stCondLst>
+                                        </p:cTn>
+                                        <p:tgtEl>
+                                          <p:spTgt spid="6"/>
+                                        </p:tgtEl>
+                                        <p:attrNameLst>
+                                          <p:attrName>style.visibility</p:attrName>
+                                        </p:attrNameLst>
+                                      </p:cBhvr>
+                                      <p:to>
+                                        <p:strVal val="visible"/>
+                                      </p:to>
+                                    </p:set>
+                                  </p:childTnLst>
+                                </p:cTn>
+                              </p:par>
+                            </p:childTnLst>
+                          </p:cTn>
+                        </p:par>
+                      </p:childTnLst>
+                    </p:cTn>
+                  </p:par>
+                </p:childTnLst>
+              </p:cTn>
+              <p:prevCondLst>
+                <p:cond evt="onPrev" delay="0">
+                  <p:tgtEl>
+                    <p:sldTgt/>
+                  </p:tgtEl>
+                </p:cond>
+              </p:prevCondLst>
+              <p:nextCondLst>
+                <p:cond evt="onNext" delay="0">
+                  <p:tgtEl>
+                    <p:sldTgt/>
+                  </p:tgtEl>
+                </p:cond>
+              </p:nextCondLst>
+            </p:seq>
+          </p:childTnLst>
+        </p:cTn>
+      </p:par>
+    </p:tnLst>
+    <p:bldLst>
+      <p:bldP spid="6" grpId="0" animBg="1"/>
+    </p:bldLst>
+  </p:timing>
+</p:sld>
+</file>
+
+<file path=ppt/slides/slide13.xml><?xml version="1.0" encoding="utf-8"?>
+<p:sld xmlns:a="http://schemas.openxmlformats.org/drawingml/2006/main" xmlns:r="http://schemas.openxmlformats.org/officeDocument/2006/relationships" xmlns:p="http://schemas.openxmlformats.org/presentationml/2006/main">
+  <p:cSld>
+    <p:spTree>
+      <p:nvGrpSpPr>
+        <p:cNvPr id="1" name=""/>
+        <p:cNvGrpSpPr/>
+        <p:nvPr/>
+      </p:nvGrpSpPr>
+      <p:grpSpPr>
+        <a:xfrm>
+          <a:off x="0" y="0"/>
+          <a:ext cx="0" cy="0"/>
+          <a:chOff x="0" y="0"/>
+          <a:chExt cx="0" cy="0"/>
+        </a:xfrm>
+      </p:grpSpPr>
+      <p:sp>
+        <p:nvSpPr>
+          <p:cNvPr id="5" name="Title 4"/>
+          <p:cNvSpPr>
+            <a:spLocks noGrp="1"/>
+          </p:cNvSpPr>
+          <p:nvPr>
+            <p:ph type="title" sz="quarter" idx="10"/>
+          </p:nvPr>
+        </p:nvSpPr>
+        <p:spPr>
+          <a:xfrm>
+            <a:off x="615109" y="4704824"/>
+            <a:ext cx="10961783" cy="1694175"/>
+          </a:xfrm>
+        </p:spPr>
+        <p:txBody>
+          <a:bodyPr/>
+          <a:lstStyle/>
+          <a:p>
+            <a:r>
+              <a:rPr lang="ru-RU" dirty="0"/>
+              <a:t>Редактиране и въвеждане на данни</a:t>
+            </a:r>
+            <a:endParaRPr lang="en-US" dirty="0"/>
+          </a:p>
+        </p:txBody>
+      </p:sp>
+      <p:sp>
+        <p:nvSpPr>
+          <p:cNvPr id="2" name="Slide Number Placeholder 1"/>
+          <p:cNvSpPr>
+            <a:spLocks noGrp="1"/>
+          </p:cNvSpPr>
+          <p:nvPr>
+            <p:ph type="sldNum" sz="quarter" idx="4294967295"/>
+          </p:nvPr>
+        </p:nvSpPr>
+        <p:spPr>
+          <a:xfrm>
+            <a:off x="11823700" y="6507163"/>
+            <a:ext cx="368300" cy="296862"/>
+          </a:xfrm>
+          <a:prstGeom prst="rect">
+            <a:avLst/>
+          </a:prstGeom>
+        </p:spPr>
+        <p:txBody>
+          <a:bodyPr/>
+          <a:lstStyle/>
+          <a:p>
+            <a:fld id="{2BF067CD-8E6B-4360-9AA8-C5DF2A48A6D1}" type="slidenum">
+              <a:rPr lang="en-US" noProof="0" smtClean="0"/>
+              <a:pPr/>
+              <a:t>13</a:t>
+            </a:fld>
+            <a:endParaRPr lang="en-US" noProof="0" dirty="0"/>
+          </a:p>
+        </p:txBody>
+      </p:sp>
+      <p:pic>
+        <p:nvPicPr>
+          <p:cNvPr id="7" name="Picture 6"/>
+          <p:cNvPicPr>
+            <a:picLocks noChangeAspect="1"/>
+          </p:cNvPicPr>
+          <p:nvPr/>
+        </p:nvPicPr>
+        <p:blipFill>
+          <a:blip r:embed="rId2" cstate="hqprint">
+            <a:extLst>
+              <a:ext uri="{28A0092B-C50C-407E-A947-70E740481C1C}">
+                <a14:useLocalDpi xmlns:a14="http://schemas.microsoft.com/office/drawing/2010/main" val="0"/>
+              </a:ext>
+            </a:extLst>
+          </a:blip>
+          <a:stretch>
+            <a:fillRect/>
+          </a:stretch>
+        </p:blipFill>
+        <p:spPr>
+          <a:xfrm>
+            <a:off x="5286000" y="1674000"/>
+            <a:ext cx="1856062" cy="1854000"/>
+          </a:xfrm>
+          <a:prstGeom prst="rect">
+            <a:avLst/>
+          </a:prstGeom>
+        </p:spPr>
+      </p:pic>
+    </p:spTree>
+    <p:extLst>
+      <p:ext uri="{BB962C8B-B14F-4D97-AF65-F5344CB8AC3E}">
+        <p14:creationId xmlns:p14="http://schemas.microsoft.com/office/powerpoint/2010/main" val="1389836139"/>
+      </p:ext>
+    </p:extLst>
+  </p:cSld>
+  <p:clrMapOvr>
+    <a:masterClrMapping/>
+  </p:clrMapOvr>
+  <mc:AlternateContent xmlns:mc="http://schemas.openxmlformats.org/markup-compatibility/2006" xmlns:p14="http://schemas.microsoft.com/office/powerpoint/2010/main">
+    <mc:Choice Requires="p14">
+      <p:transition spd="slow" p14:dur="2000" advClick="0" advTm="5000"/>
+    </mc:Choice>
+    <mc:Fallback xmlns="">
+      <p:transition spd="slow" advClick="0" advTm="5000"/>
+    </mc:Fallback>
+  </mc:AlternateContent>
+  <p:timing>
+    <p:tnLst>
+      <p:par>
+        <p:cTn id="1" dur="indefinite" restart="never" nodeType="tmRoot"/>
+      </p:par>
+    </p:tnLst>
+  </p:timing>
+</p:sld>
+</file>
+
+<file path=ppt/slides/slide14.xml><?xml version="1.0" encoding="utf-8"?>
+<p:sld xmlns:a="http://schemas.openxmlformats.org/drawingml/2006/main" xmlns:r="http://schemas.openxmlformats.org/officeDocument/2006/relationships" xmlns:p="http://schemas.openxmlformats.org/presentationml/2006/main">
+  <p:cSld>
+    <p:spTree>
+      <p:nvGrpSpPr>
+        <p:cNvPr id="1" name=""/>
+        <p:cNvGrpSpPr/>
+        <p:nvPr/>
+      </p:nvGrpSpPr>
+      <p:grpSpPr>
+        <a:xfrm>
+          <a:off x="0" y="0"/>
+          <a:ext cx="0" cy="0"/>
+          <a:chOff x="0" y="0"/>
+          <a:chExt cx="0" cy="0"/>
+        </a:xfrm>
+      </p:grpSpPr>
+      <p:sp>
+        <p:nvSpPr>
+          <p:cNvPr id="2" name="Slide Number Placeholder 1"/>
+          <p:cNvSpPr>
+            <a:spLocks noGrp="1"/>
+          </p:cNvSpPr>
+          <p:nvPr>
+            <p:ph type="sldNum" sz="quarter" idx="5"/>
+          </p:nvPr>
+        </p:nvSpPr>
+        <p:spPr/>
+        <p:txBody>
+          <a:bodyPr/>
+          <a:lstStyle/>
+          <a:p>
+            <a:fld id="{2BF067CD-8E6B-4360-9AA8-C5DF2A48A6D1}" type="slidenum">
+              <a:rPr lang="en-US" noProof="0" smtClean="0"/>
+              <a:pPr/>
+              <a:t>14</a:t>
+            </a:fld>
+            <a:endParaRPr lang="en-US" noProof="0" dirty="0"/>
+          </a:p>
+        </p:txBody>
+      </p:sp>
+      <p:sp>
+        <p:nvSpPr>
+          <p:cNvPr id="4" name="Title 3"/>
+          <p:cNvSpPr>
+            <a:spLocks noGrp="1"/>
+          </p:cNvSpPr>
+          <p:nvPr>
+            <p:ph type="title"/>
+          </p:nvPr>
+        </p:nvSpPr>
+        <p:spPr/>
+        <p:txBody>
           <a:bodyPr>
             <a:noAutofit/>
           </a:bodyPr>
@@ -8799,7 +9308,7 @@
           <p:nvPr>
             <p:extLst>
               <p:ext uri="{D42A27DB-BD31-4B8C-83A1-F6EECF244321}">
-                <p14:modId xmlns:p14="http://schemas.microsoft.com/office/powerpoint/2010/main" val="513683438"/>
+                <p14:modId xmlns:p14="http://schemas.microsoft.com/office/powerpoint/2010/main" val="2473317649"/>
               </p:ext>
             </p:extLst>
           </p:nvPr>
@@ -8843,15 +9352,7 @@
                             <a:schemeClr val="bg2"/>
                           </a:solidFill>
                         </a:rPr>
-                        <a:t>Методи за </a:t>
-                      </a:r>
-                      <a:r>
-                        <a:rPr lang="bg-BG" dirty="0" smtClean="0">
-                          <a:solidFill>
-                            <a:schemeClr val="bg2"/>
-                          </a:solidFill>
-                        </a:rPr>
-                        <a:t>маркиране в</a:t>
+                        <a:t>Методи за маркиране в</a:t>
                       </a:r>
                       <a:r>
                         <a:rPr lang="bg-BG" baseline="0" dirty="0" smtClean="0">
@@ -9310,7 +9811,19 @@
                       </a:r>
                       <a:r>
                         <a:rPr lang="en-US" baseline="0" dirty="0" smtClean="0"/>
-                        <a:t>[Ctrl] </a:t>
+                        <a:t>[</a:t>
+                      </a:r>
+                      <a:r>
+                        <a:rPr lang="en-US" b="1" baseline="0" dirty="0" smtClean="0">
+                          <a:solidFill>
+                            <a:schemeClr val="bg1"/>
+                          </a:solidFill>
+                        </a:rPr>
+                        <a:t>Ctrl</a:t>
+                      </a:r>
+                      <a:r>
+                        <a:rPr lang="en-US" baseline="0" dirty="0" smtClean="0"/>
+                        <a:t>] </a:t>
                       </a:r>
                       <a:r>
                         <a:rPr lang="bg-BG" baseline="0" dirty="0" smtClean="0"/>
@@ -9494,7 +10007,7 @@
     </p:spTree>
     <p:extLst>
       <p:ext uri="{BB962C8B-B14F-4D97-AF65-F5344CB8AC3E}">
-        <p14:creationId xmlns:p14="http://schemas.microsoft.com/office/powerpoint/2010/main" val="2288998719"/>
+        <p14:creationId xmlns:p14="http://schemas.microsoft.com/office/powerpoint/2010/main" val="3038564835"/>
       </p:ext>
     </p:extLst>
   </p:cSld>
@@ -9519,142 +10032,7 @@
 </p:sld>
 </file>
 
-<file path=ppt/slides/slide13.xml><?xml version="1.0" encoding="utf-8"?>
-<p:sld xmlns:a="http://schemas.openxmlformats.org/drawingml/2006/main" xmlns:r="http://schemas.openxmlformats.org/officeDocument/2006/relationships" xmlns:p="http://schemas.openxmlformats.org/presentationml/2006/main">
-  <p:cSld>
-    <p:spTree>
-      <p:nvGrpSpPr>
-        <p:cNvPr id="1" name=""/>
-        <p:cNvGrpSpPr/>
-        <p:nvPr/>
-      </p:nvGrpSpPr>
-      <p:grpSpPr>
-        <a:xfrm>
-          <a:off x="0" y="0"/>
-          <a:ext cx="0" cy="0"/>
-          <a:chOff x="0" y="0"/>
-          <a:chExt cx="0" cy="0"/>
-        </a:xfrm>
-      </p:grpSpPr>
-      <p:sp>
-        <p:nvSpPr>
-          <p:cNvPr id="5" name="Title 4"/>
-          <p:cNvSpPr>
-            <a:spLocks noGrp="1"/>
-          </p:cNvSpPr>
-          <p:nvPr>
-            <p:ph type="title" sz="quarter" idx="10"/>
-          </p:nvPr>
-        </p:nvSpPr>
-        <p:spPr>
-          <a:xfrm>
-            <a:off x="615109" y="4704824"/>
-            <a:ext cx="10961783" cy="1694175"/>
-          </a:xfrm>
-        </p:spPr>
-        <p:txBody>
-          <a:bodyPr/>
-          <a:lstStyle/>
-          <a:p>
-            <a:r>
-              <a:rPr lang="ru-RU" dirty="0"/>
-              <a:t>Редактиране и въвеждане на данни</a:t>
-            </a:r>
-            <a:endParaRPr lang="en-US" dirty="0"/>
-          </a:p>
-        </p:txBody>
-      </p:sp>
-      <p:sp>
-        <p:nvSpPr>
-          <p:cNvPr id="2" name="Slide Number Placeholder 1"/>
-          <p:cNvSpPr>
-            <a:spLocks noGrp="1"/>
-          </p:cNvSpPr>
-          <p:nvPr>
-            <p:ph type="sldNum" sz="quarter" idx="4294967295"/>
-          </p:nvPr>
-        </p:nvSpPr>
-        <p:spPr>
-          <a:xfrm>
-            <a:off x="11823700" y="6507163"/>
-            <a:ext cx="368300" cy="296862"/>
-          </a:xfrm>
-          <a:prstGeom prst="rect">
-            <a:avLst/>
-          </a:prstGeom>
-        </p:spPr>
-        <p:txBody>
-          <a:bodyPr/>
-          <a:lstStyle/>
-          <a:p>
-            <a:fld id="{2BF067CD-8E6B-4360-9AA8-C5DF2A48A6D1}" type="slidenum">
-              <a:rPr lang="en-US" noProof="0" smtClean="0"/>
-              <a:pPr/>
-              <a:t>13</a:t>
-            </a:fld>
-            <a:endParaRPr lang="en-US" noProof="0" dirty="0"/>
-          </a:p>
-        </p:txBody>
-      </p:sp>
-      <p:pic>
-        <p:nvPicPr>
-          <p:cNvPr id="7" name="Picture 6"/>
-          <p:cNvPicPr>
-            <a:picLocks noChangeAspect="1"/>
-          </p:cNvPicPr>
-          <p:nvPr/>
-        </p:nvPicPr>
-        <p:blipFill>
-          <a:blip r:embed="rId2" cstate="hqprint">
-            <a:extLst>
-              <a:ext uri="{28A0092B-C50C-407E-A947-70E740481C1C}">
-                <a14:useLocalDpi xmlns:a14="http://schemas.microsoft.com/office/drawing/2010/main" val="0"/>
-              </a:ext>
-            </a:extLst>
-          </a:blip>
-          <a:stretch>
-            <a:fillRect/>
-          </a:stretch>
-        </p:blipFill>
-        <p:spPr>
-          <a:xfrm>
-            <a:off x="5286000" y="1674000"/>
-            <a:ext cx="1856062" cy="1854000"/>
-          </a:xfrm>
-          <a:prstGeom prst="rect">
-            <a:avLst/>
-          </a:prstGeom>
-        </p:spPr>
-      </p:pic>
-    </p:spTree>
-    <p:extLst>
-      <p:ext uri="{BB962C8B-B14F-4D97-AF65-F5344CB8AC3E}">
-        <p14:creationId xmlns:p14="http://schemas.microsoft.com/office/powerpoint/2010/main" val="1389836139"/>
-      </p:ext>
-    </p:extLst>
-  </p:cSld>
-  <p:clrMapOvr>
-    <a:masterClrMapping/>
-  </p:clrMapOvr>
-  <mc:AlternateContent xmlns:mc="http://schemas.openxmlformats.org/markup-compatibility/2006" xmlns:p14="http://schemas.microsoft.com/office/powerpoint/2010/main">
-    <mc:Choice Requires="p14">
-      <p:transition spd="slow" p14:dur="2000" advClick="0" advTm="5000"/>
-    </mc:Choice>
-    <mc:Fallback xmlns="">
-      <p:transition spd="slow" advClick="0" advTm="5000"/>
-    </mc:Fallback>
-  </mc:AlternateContent>
-  <p:timing>
-    <p:tnLst>
-      <p:par>
-        <p:cTn id="1" dur="indefinite" restart="never" nodeType="tmRoot"/>
-      </p:par>
-    </p:tnLst>
-  </p:timing>
-</p:sld>
-</file>
-
-<file path=ppt/slides/slide14.xml><?xml version="1.0" encoding="utf-8"?>
+<file path=ppt/slides/slide15.xml><?xml version="1.0" encoding="utf-8"?>
 <p:sld xmlns:a="http://schemas.openxmlformats.org/drawingml/2006/main" xmlns:r="http://schemas.openxmlformats.org/officeDocument/2006/relationships" xmlns:p="http://schemas.openxmlformats.org/presentationml/2006/main">
   <p:cSld>
     <p:spTree>
@@ -9686,6 +10064,89 @@
           <a:bodyPr/>
           <a:lstStyle/>
           <a:p>
+            <a:r>
+              <a:rPr lang="bg-BG" b="1" dirty="0" smtClean="0"/>
+              <a:t>Въвеждането на данни </a:t>
+            </a:r>
+            <a:r>
+              <a:rPr lang="bg-BG" dirty="0" smtClean="0"/>
+              <a:t>в ел. таблица се извършва в следната последователност:</a:t>
+            </a:r>
+          </a:p>
+          <a:p>
+            <a:pPr marL="957262" lvl="1" indent="-514350">
+              <a:spcAft>
+                <a:spcPts val="1200"/>
+              </a:spcAft>
+              <a:buFont typeface="+mj-lt"/>
+              <a:buAutoNum type="arabicPeriod"/>
+            </a:pPr>
+            <a:r>
+              <a:rPr lang="bg-BG" dirty="0" smtClean="0"/>
+              <a:t>͏</a:t>
+            </a:r>
+            <a:r>
+              <a:rPr lang="bg-BG" b="1" dirty="0" smtClean="0"/>
+              <a:t>Маркирате клетката</a:t>
+            </a:r>
+            <a:r>
+              <a:rPr lang="bg-BG" dirty="0" smtClean="0"/>
+              <a:t>, в която искате да въвеждате данните</a:t>
+            </a:r>
+          </a:p>
+          <a:p>
+            <a:pPr marL="957262" lvl="1" indent="-514350">
+              <a:spcAft>
+                <a:spcPts val="1200"/>
+              </a:spcAft>
+              <a:buFont typeface="+mj-lt"/>
+              <a:buAutoNum type="arabicPeriod"/>
+            </a:pPr>
+            <a:r>
+              <a:rPr lang="bg-BG" dirty="0" smtClean="0"/>
+              <a:t>͏</a:t>
+            </a:r>
+            <a:r>
+              <a:rPr lang="bg-BG" b="1" dirty="0" smtClean="0"/>
+              <a:t>Въвеждате данните</a:t>
+            </a:r>
+          </a:p>
+          <a:p>
+            <a:pPr marL="957262" lvl="1" indent="-514350">
+              <a:spcAft>
+                <a:spcPts val="1200"/>
+              </a:spcAft>
+              <a:buFont typeface="+mj-lt"/>
+              <a:buAutoNum type="arabicPeriod"/>
+            </a:pPr>
+            <a:r>
+              <a:rPr lang="bg-BG" dirty="0" smtClean="0"/>
+              <a:t>͏</a:t>
+            </a:r>
+            <a:r>
+              <a:rPr lang="bg-BG" b="1" dirty="0" smtClean="0"/>
+              <a:t>Потвърждавате</a:t>
+            </a:r>
+            <a:r>
+              <a:rPr lang="bg-BG" dirty="0" smtClean="0"/>
+              <a:t> чрез клавиша </a:t>
+            </a:r>
+            <a:r>
+              <a:rPr lang="en-US" dirty="0" smtClean="0"/>
+              <a:t>[</a:t>
+            </a:r>
+            <a:r>
+              <a:rPr lang="en-US" b="1" dirty="0" smtClean="0">
+                <a:solidFill>
+                  <a:schemeClr val="bg1"/>
+                </a:solidFill>
+              </a:rPr>
+              <a:t>Enter</a:t>
+            </a:r>
+            <a:r>
+              <a:rPr lang="en-US" dirty="0" smtClean="0"/>
+              <a:t>]</a:t>
+            </a:r>
             <a:endParaRPr lang="en-US" dirty="0"/>
           </a:p>
         </p:txBody>
@@ -9705,77 +10166,11 @@
           <a:bodyPr/>
           <a:lstStyle/>
           <a:p>
-            <a:endParaRPr lang="en-US"/>
-          </a:p>
-        </p:txBody>
-      </p:sp>
-      <p:sp>
-        <p:nvSpPr>
-          <p:cNvPr id="6" name="Rectangle 5"/>
-          <p:cNvSpPr/>
-          <p:nvPr/>
-        </p:nvSpPr>
-        <p:spPr bwMode="auto">
-          <a:xfrm>
-            <a:off x="2091000" y="2259000"/>
-            <a:ext cx="5670000" cy="2880000"/>
-          </a:xfrm>
-          <a:prstGeom prst="rect">
-            <a:avLst/>
-          </a:prstGeom>
-          <a:ln/>
-        </p:spPr>
-        <p:style>
-          <a:lnRef idx="2">
-            <a:schemeClr val="dk1"/>
-          </a:lnRef>
-          <a:fillRef idx="1">
-            <a:schemeClr val="lt1"/>
-          </a:fillRef>
-          <a:effectRef idx="0">
-            <a:schemeClr val="dk1"/>
-          </a:effectRef>
-          <a:fontRef idx="minor">
-            <a:schemeClr val="dk1"/>
-          </a:fontRef>
-        </p:style>
-        <p:txBody>
-          <a:bodyPr rot="0" spcFirstLastPara="0" vertOverflow="overflow" horzOverflow="overflow" vert="horz" wrap="square" lIns="91440" tIns="45720" rIns="91440" bIns="45720" numCol="1" spcCol="0" rtlCol="0" fromWordArt="0" anchor="ctr" anchorCtr="0" forceAA="0" compatLnSpc="1">
-            <a:prstTxWarp prst="textNoShape">
-              <a:avLst/>
-            </a:prstTxWarp>
-            <a:noAutofit/>
-          </a:bodyPr>
-          <a:lstStyle/>
-          <a:p>
-            <a:pPr algn="ctr"/>
-            <a:r>
-              <a:rPr lang="en-US" sz="6000" b="1" dirty="0" smtClean="0">
-                <a:solidFill>
-                  <a:srgbClr val="FFFFFF"/>
-                </a:solidFill>
-                <a:effectLst>
-                  <a:outerShdw blurRad="38100" dist="38100" dir="2700000" algn="tl">
-                    <a:srgbClr val="000000">
-                      <a:alpha val="43137"/>
-                    </a:srgbClr>
-                  </a:outerShdw>
-                </a:effectLst>
-              </a:rPr>
-              <a:t>Add slides for this section</a:t>
-            </a:r>
-            <a:endParaRPr lang="en-US" sz="6000" b="1" dirty="0">
-              <a:solidFill>
-                <a:srgbClr val="FFFFFF"/>
-              </a:solidFill>
-              <a:effectLst>
-                <a:outerShdw blurRad="38100" dist="38100" dir="2700000" algn="tl">
-                  <a:srgbClr val="000000">
-                    <a:alpha val="43137"/>
-                  </a:srgbClr>
-                </a:outerShdw>
-              </a:effectLst>
-            </a:endParaRPr>
+            <a:r>
+              <a:rPr lang="bg-BG" dirty="0" smtClean="0"/>
+              <a:t>Въвеждане на данни</a:t>
+            </a:r>
+            <a:endParaRPr lang="en-US" dirty="0"/>
           </a:p>
         </p:txBody>
       </p:sp>
@@ -9783,6 +10178,261 @@
     <p:extLst>
       <p:ext uri="{BB962C8B-B14F-4D97-AF65-F5344CB8AC3E}">
         <p14:creationId xmlns:p14="http://schemas.microsoft.com/office/powerpoint/2010/main" val="2567712268"/>
+      </p:ext>
+    </p:extLst>
+  </p:cSld>
+  <p:clrMapOvr>
+    <a:masterClrMapping/>
+  </p:clrMapOvr>
+  <mc:AlternateContent xmlns:mc="http://schemas.openxmlformats.org/markup-compatibility/2006" xmlns:p14="http://schemas.microsoft.com/office/powerpoint/2010/main">
+    <mc:Choice Requires="p14">
+      <p:transition spd="slow" p14:dur="2000" advClick="0" advTm="5000"/>
+    </mc:Choice>
+    <mc:Fallback xmlns="">
+      <p:transition spd="slow" advClick="0" advTm="5000"/>
+    </mc:Fallback>
+  </mc:AlternateContent>
+  <p:timing>
+    <p:tnLst>
+      <p:par>
+        <p:cTn id="1" dur="indefinite" restart="never" nodeType="tmRoot">
+          <p:childTnLst>
+            <p:seq concurrent="1" nextAc="seek">
+              <p:cTn id="2" dur="indefinite" nodeType="mainSeq">
+                <p:childTnLst>
+                  <p:par>
+                    <p:cTn id="3" fill="hold">
+                      <p:stCondLst>
+                        <p:cond delay="indefinite"/>
+                      </p:stCondLst>
+                      <p:childTnLst>
+                        <p:par>
+                          <p:cTn id="4" fill="hold">
+                            <p:stCondLst>
+                              <p:cond delay="0"/>
+                            </p:stCondLst>
+                            <p:childTnLst>
+                              <p:par>
+                                <p:cTn id="5" presetID="1" presetClass="entr" presetSubtype="0" fill="hold" nodeType="clickEffect">
+                                  <p:stCondLst>
+                                    <p:cond delay="0"/>
+                                  </p:stCondLst>
+                                  <p:childTnLst>
+                                    <p:set>
+                                      <p:cBhvr>
+                                        <p:cTn id="6" dur="1" fill="hold">
+                                          <p:stCondLst>
+                                            <p:cond delay="0"/>
+                                          </p:stCondLst>
+                                        </p:cTn>
+                                        <p:tgtEl>
+                                          <p:spTgt spid="5">
+                                            <p:txEl>
+                                              <p:pRg st="2" end="2"/>
+                                            </p:txEl>
+                                          </p:spTgt>
+                                        </p:tgtEl>
+                                        <p:attrNameLst>
+                                          <p:attrName>style.visibility</p:attrName>
+                                        </p:attrNameLst>
+                                      </p:cBhvr>
+                                      <p:to>
+                                        <p:strVal val="visible"/>
+                                      </p:to>
+                                    </p:set>
+                                  </p:childTnLst>
+                                </p:cTn>
+                              </p:par>
+                            </p:childTnLst>
+                          </p:cTn>
+                        </p:par>
+                      </p:childTnLst>
+                    </p:cTn>
+                  </p:par>
+                  <p:par>
+                    <p:cTn id="7" fill="hold">
+                      <p:stCondLst>
+                        <p:cond delay="indefinite"/>
+                      </p:stCondLst>
+                      <p:childTnLst>
+                        <p:par>
+                          <p:cTn id="8" fill="hold">
+                            <p:stCondLst>
+                              <p:cond delay="0"/>
+                            </p:stCondLst>
+                            <p:childTnLst>
+                              <p:par>
+                                <p:cTn id="9" presetID="1" presetClass="entr" presetSubtype="0" fill="hold" nodeType="clickEffect">
+                                  <p:stCondLst>
+                                    <p:cond delay="0"/>
+                                  </p:stCondLst>
+                                  <p:childTnLst>
+                                    <p:set>
+                                      <p:cBhvr>
+                                        <p:cTn id="10" dur="1" fill="hold">
+                                          <p:stCondLst>
+                                            <p:cond delay="0"/>
+                                          </p:stCondLst>
+                                        </p:cTn>
+                                        <p:tgtEl>
+                                          <p:spTgt spid="5">
+                                            <p:txEl>
+                                              <p:pRg st="3" end="3"/>
+                                            </p:txEl>
+                                          </p:spTgt>
+                                        </p:tgtEl>
+                                        <p:attrNameLst>
+                                          <p:attrName>style.visibility</p:attrName>
+                                        </p:attrNameLst>
+                                      </p:cBhvr>
+                                      <p:to>
+                                        <p:strVal val="visible"/>
+                                      </p:to>
+                                    </p:set>
+                                  </p:childTnLst>
+                                </p:cTn>
+                              </p:par>
+                            </p:childTnLst>
+                          </p:cTn>
+                        </p:par>
+                      </p:childTnLst>
+                    </p:cTn>
+                  </p:par>
+                </p:childTnLst>
+              </p:cTn>
+              <p:prevCondLst>
+                <p:cond evt="onPrev" delay="0">
+                  <p:tgtEl>
+                    <p:sldTgt/>
+                  </p:tgtEl>
+                </p:cond>
+              </p:prevCondLst>
+              <p:nextCondLst>
+                <p:cond evt="onNext" delay="0">
+                  <p:tgtEl>
+                    <p:sldTgt/>
+                  </p:tgtEl>
+                </p:cond>
+              </p:nextCondLst>
+            </p:seq>
+          </p:childTnLst>
+        </p:cTn>
+      </p:par>
+    </p:tnLst>
+  </p:timing>
+</p:sld>
+</file>
+
+<file path=ppt/slides/slide16.xml><?xml version="1.0" encoding="utf-8"?>
+<p:sld xmlns:a="http://schemas.openxmlformats.org/drawingml/2006/main" xmlns:r="http://schemas.openxmlformats.org/officeDocument/2006/relationships" xmlns:p="http://schemas.openxmlformats.org/presentationml/2006/main">
+  <p:cSld>
+    <p:spTree>
+      <p:nvGrpSpPr>
+        <p:cNvPr id="1" name=""/>
+        <p:cNvGrpSpPr/>
+        <p:nvPr/>
+      </p:nvGrpSpPr>
+      <p:grpSpPr>
+        <a:xfrm>
+          <a:off x="0" y="0"/>
+          <a:ext cx="0" cy="0"/>
+          <a:chOff x="0" y="0"/>
+          <a:chExt cx="0" cy="0"/>
+        </a:xfrm>
+      </p:grpSpPr>
+      <p:sp>
+        <p:nvSpPr>
+          <p:cNvPr id="2" name="Slide Number Placeholder 1"/>
+          <p:cNvSpPr>
+            <a:spLocks noGrp="1"/>
+          </p:cNvSpPr>
+          <p:nvPr>
+            <p:ph type="sldNum" sz="quarter" idx="5"/>
+          </p:nvPr>
+        </p:nvSpPr>
+        <p:spPr/>
+        <p:txBody>
+          <a:bodyPr/>
+          <a:lstStyle/>
+          <a:p>
+            <a:fld id="{2BF067CD-8E6B-4360-9AA8-C5DF2A48A6D1}" type="slidenum">
+              <a:rPr lang="en-US" noProof="0" smtClean="0"/>
+              <a:pPr/>
+              <a:t>16</a:t>
+            </a:fld>
+            <a:endParaRPr lang="en-US" noProof="0" dirty="0"/>
+          </a:p>
+        </p:txBody>
+      </p:sp>
+      <p:sp>
+        <p:nvSpPr>
+          <p:cNvPr id="4" name="Title 3"/>
+          <p:cNvSpPr>
+            <a:spLocks noGrp="1"/>
+          </p:cNvSpPr>
+          <p:nvPr>
+            <p:ph type="title"/>
+          </p:nvPr>
+        </p:nvSpPr>
+        <p:spPr/>
+        <p:txBody>
+          <a:bodyPr/>
+          <a:lstStyle/>
+          <a:p>
+            <a:r>
+              <a:rPr lang="bg-BG" dirty="0"/>
+              <a:t>Въвеждане на </a:t>
+            </a:r>
+            <a:r>
+              <a:rPr lang="bg-BG" dirty="0" smtClean="0"/>
+              <a:t>данни</a:t>
+            </a:r>
+            <a:r>
+              <a:rPr lang="en-US" dirty="0" smtClean="0"/>
+              <a:t> – </a:t>
+            </a:r>
+            <a:r>
+              <a:rPr lang="bg-BG" dirty="0" smtClean="0"/>
+              <a:t>Видео</a:t>
+            </a:r>
+            <a:endParaRPr lang="en-US" dirty="0"/>
+          </a:p>
+        </p:txBody>
+      </p:sp>
+      <p:pic>
+        <p:nvPicPr>
+          <p:cNvPr id="5" name="Picture 4"/>
+          <p:cNvPicPr>
+            <a:picLocks noChangeAspect="1"/>
+          </p:cNvPicPr>
+          <p:nvPr/>
+        </p:nvPicPr>
+        <p:blipFill>
+          <a:blip r:embed="rId2">
+            <a:extLst>
+              <a:ext uri="{28A0092B-C50C-407E-A947-70E740481C1C}">
+                <a14:useLocalDpi xmlns:a14="http://schemas.microsoft.com/office/drawing/2010/main" val="0"/>
+              </a:ext>
+            </a:extLst>
+          </a:blip>
+          <a:stretch>
+            <a:fillRect/>
+          </a:stretch>
+        </p:blipFill>
+        <p:spPr>
+          <a:xfrm>
+            <a:off x="0" y="1089000"/>
+            <a:ext cx="12192000" cy="6469223"/>
+          </a:xfrm>
+          <a:prstGeom prst="rect">
+            <a:avLst/>
+          </a:prstGeom>
+        </p:spPr>
+      </p:pic>
+    </p:spTree>
+    <p:extLst>
+      <p:ext uri="{BB962C8B-B14F-4D97-AF65-F5344CB8AC3E}">
+        <p14:creationId xmlns:p14="http://schemas.microsoft.com/office/powerpoint/2010/main" val="1188307050"/>
       </p:ext>
     </p:extLst>
   </p:cSld>
@@ -9807,7 +10457,543 @@
 </p:sld>
 </file>
 
-<file path=ppt/slides/slide15.xml><?xml version="1.0" encoding="utf-8"?>
+<file path=ppt/slides/slide17.xml><?xml version="1.0" encoding="utf-8"?>
+<p:sld xmlns:a="http://schemas.openxmlformats.org/drawingml/2006/main" xmlns:r="http://schemas.openxmlformats.org/officeDocument/2006/relationships" xmlns:p="http://schemas.openxmlformats.org/presentationml/2006/main">
+  <p:cSld>
+    <p:spTree>
+      <p:nvGrpSpPr>
+        <p:cNvPr id="1" name=""/>
+        <p:cNvGrpSpPr/>
+        <p:nvPr/>
+      </p:nvGrpSpPr>
+      <p:grpSpPr>
+        <a:xfrm>
+          <a:off x="0" y="0"/>
+          <a:ext cx="0" cy="0"/>
+          <a:chOff x="0" y="0"/>
+          <a:chExt cx="0" cy="0"/>
+        </a:xfrm>
+      </p:grpSpPr>
+      <p:sp>
+        <p:nvSpPr>
+          <p:cNvPr id="2" name="Slide Number Placeholder 1"/>
+          <p:cNvSpPr>
+            <a:spLocks noGrp="1"/>
+          </p:cNvSpPr>
+          <p:nvPr>
+            <p:ph type="sldNum" sz="quarter" idx="5"/>
+          </p:nvPr>
+        </p:nvSpPr>
+        <p:spPr/>
+        <p:txBody>
+          <a:bodyPr/>
+          <a:lstStyle/>
+          <a:p>
+            <a:fld id="{2BF067CD-8E6B-4360-9AA8-C5DF2A48A6D1}" type="slidenum">
+              <a:rPr lang="en-US" noProof="0" smtClean="0"/>
+              <a:pPr/>
+              <a:t>17</a:t>
+            </a:fld>
+            <a:endParaRPr lang="en-US" noProof="0" dirty="0"/>
+          </a:p>
+        </p:txBody>
+      </p:sp>
+      <p:sp>
+        <p:nvSpPr>
+          <p:cNvPr id="3" name="Text Placeholder 2"/>
+          <p:cNvSpPr>
+            <a:spLocks noGrp="1"/>
+          </p:cNvSpPr>
+          <p:nvPr>
+            <p:ph type="body" sz="quarter" idx="10"/>
+          </p:nvPr>
+        </p:nvSpPr>
+        <p:spPr/>
+        <p:txBody>
+          <a:bodyPr/>
+          <a:lstStyle/>
+          <a:p>
+            <a:r>
+              <a:rPr lang="bg-BG" dirty="0" smtClean="0"/>
+              <a:t>Редактиране на данни </a:t>
+            </a:r>
+            <a:r>
+              <a:rPr lang="bg-BG" b="1" dirty="0" smtClean="0"/>
+              <a:t>включва</a:t>
+            </a:r>
+            <a:r>
+              <a:rPr lang="bg-BG" dirty="0" smtClean="0"/>
+              <a:t>:</a:t>
+            </a:r>
+          </a:p>
+          <a:p>
+            <a:pPr lvl="1"/>
+            <a:r>
+              <a:rPr lang="bg-BG" b="1" dirty="0" smtClean="0"/>
+              <a:t>Добавяне</a:t>
+            </a:r>
+            <a:r>
+              <a:rPr lang="bg-BG" dirty="0" smtClean="0"/>
+              <a:t>, </a:t>
+            </a:r>
+            <a:r>
+              <a:rPr lang="bg-BG" b="1" dirty="0" smtClean="0"/>
+              <a:t>изтриване</a:t>
+            </a:r>
+            <a:r>
+              <a:rPr lang="bg-BG" dirty="0" smtClean="0"/>
+              <a:t>, </a:t>
+            </a:r>
+            <a:r>
+              <a:rPr lang="bg-BG" b="1" dirty="0" smtClean="0"/>
+              <a:t>разместване</a:t>
+            </a:r>
+            <a:r>
+              <a:rPr lang="bg-BG" dirty="0" smtClean="0"/>
+              <a:t> </a:t>
+            </a:r>
+            <a:r>
+              <a:rPr lang="bg-BG" b="1" dirty="0" smtClean="0"/>
+              <a:t>на символи</a:t>
+            </a:r>
+          </a:p>
+          <a:p>
+            <a:r>
+              <a:rPr lang="bg-BG" dirty="0" smtClean="0"/>
+              <a:t>Редактирането на данни става чрез:</a:t>
+            </a:r>
+          </a:p>
+          <a:p>
+            <a:pPr lvl="1"/>
+            <a:r>
+              <a:rPr lang="bg-BG" dirty="0" smtClean="0"/>
+              <a:t>Щракване </a:t>
+            </a:r>
+            <a:r>
+              <a:rPr lang="bg-BG" b="1" dirty="0" smtClean="0"/>
+              <a:t>двукратно в клетката</a:t>
+            </a:r>
+          </a:p>
+          <a:p>
+            <a:pPr lvl="1"/>
+            <a:r>
+              <a:rPr lang="bg-BG" dirty="0" smtClean="0"/>
+              <a:t>Писане в </a:t>
+            </a:r>
+            <a:r>
+              <a:rPr lang="bg-BG" b="1" dirty="0" smtClean="0"/>
+              <a:t>реда за редактиране</a:t>
+            </a:r>
+          </a:p>
+          <a:p>
+            <a:pPr lvl="1"/>
+            <a:r>
+              <a:rPr lang="bg-BG" b="1" dirty="0" smtClean="0"/>
+              <a:t>Натискане</a:t>
+            </a:r>
+            <a:r>
+              <a:rPr lang="bg-BG" dirty="0" smtClean="0"/>
+              <a:t> на клавиша </a:t>
+            </a:r>
+            <a:r>
+              <a:rPr lang="en-US" dirty="0" smtClean="0"/>
+              <a:t>[</a:t>
+            </a:r>
+            <a:r>
+              <a:rPr lang="en-US" b="1" dirty="0" smtClean="0">
+                <a:solidFill>
+                  <a:schemeClr val="bg1"/>
+                </a:solidFill>
+              </a:rPr>
+              <a:t>F2</a:t>
+            </a:r>
+            <a:r>
+              <a:rPr lang="en-US" dirty="0" smtClean="0"/>
+              <a:t>]</a:t>
+            </a:r>
+            <a:endParaRPr lang="en-US" dirty="0"/>
+          </a:p>
+        </p:txBody>
+      </p:sp>
+      <p:sp>
+        <p:nvSpPr>
+          <p:cNvPr id="4" name="Title 3"/>
+          <p:cNvSpPr>
+            <a:spLocks noGrp="1"/>
+          </p:cNvSpPr>
+          <p:nvPr>
+            <p:ph type="title"/>
+          </p:nvPr>
+        </p:nvSpPr>
+        <p:spPr/>
+        <p:txBody>
+          <a:bodyPr/>
+          <a:lstStyle/>
+          <a:p>
+            <a:r>
+              <a:rPr lang="bg-BG" dirty="0" smtClean="0"/>
+              <a:t>Редактиране на данни</a:t>
+            </a:r>
+            <a:endParaRPr lang="en-US" dirty="0"/>
+          </a:p>
+        </p:txBody>
+      </p:sp>
+    </p:spTree>
+    <p:extLst>
+      <p:ext uri="{BB962C8B-B14F-4D97-AF65-F5344CB8AC3E}">
+        <p14:creationId xmlns:p14="http://schemas.microsoft.com/office/powerpoint/2010/main" val="927734561"/>
+      </p:ext>
+    </p:extLst>
+  </p:cSld>
+  <p:clrMapOvr>
+    <a:masterClrMapping/>
+  </p:clrMapOvr>
+  <mc:AlternateContent xmlns:mc="http://schemas.openxmlformats.org/markup-compatibility/2006" xmlns:p14="http://schemas.microsoft.com/office/powerpoint/2010/main">
+    <mc:Choice Requires="p14">
+      <p:transition spd="slow" p14:dur="2000" advClick="0" advTm="5000"/>
+    </mc:Choice>
+    <mc:Fallback xmlns="">
+      <p:transition spd="slow" advClick="0" advTm="5000"/>
+    </mc:Fallback>
+  </mc:AlternateContent>
+  <p:timing>
+    <p:tnLst>
+      <p:par>
+        <p:cTn id="1" dur="indefinite" restart="never" nodeType="tmRoot">
+          <p:childTnLst>
+            <p:seq concurrent="1" nextAc="seek">
+              <p:cTn id="2" dur="indefinite" nodeType="mainSeq">
+                <p:childTnLst>
+                  <p:par>
+                    <p:cTn id="3" fill="hold">
+                      <p:stCondLst>
+                        <p:cond delay="indefinite"/>
+                      </p:stCondLst>
+                      <p:childTnLst>
+                        <p:par>
+                          <p:cTn id="4" fill="hold">
+                            <p:stCondLst>
+                              <p:cond delay="0"/>
+                            </p:stCondLst>
+                            <p:childTnLst>
+                              <p:par>
+                                <p:cTn id="5" presetID="1" presetClass="entr" presetSubtype="0" fill="hold" nodeType="clickEffect">
+                                  <p:stCondLst>
+                                    <p:cond delay="0"/>
+                                  </p:stCondLst>
+                                  <p:childTnLst>
+                                    <p:set>
+                                      <p:cBhvr>
+                                        <p:cTn id="6" dur="1" fill="hold">
+                                          <p:stCondLst>
+                                            <p:cond delay="0"/>
+                                          </p:stCondLst>
+                                        </p:cTn>
+                                        <p:tgtEl>
+                                          <p:spTgt spid="3">
+                                            <p:txEl>
+                                              <p:pRg st="2" end="2"/>
+                                            </p:txEl>
+                                          </p:spTgt>
+                                        </p:tgtEl>
+                                        <p:attrNameLst>
+                                          <p:attrName>style.visibility</p:attrName>
+                                        </p:attrNameLst>
+                                      </p:cBhvr>
+                                      <p:to>
+                                        <p:strVal val="visible"/>
+                                      </p:to>
+                                    </p:set>
+                                  </p:childTnLst>
+                                </p:cTn>
+                              </p:par>
+                              <p:par>
+                                <p:cTn id="7" presetID="1" presetClass="entr" presetSubtype="0" fill="hold" nodeType="withEffect">
+                                  <p:stCondLst>
+                                    <p:cond delay="0"/>
+                                  </p:stCondLst>
+                                  <p:childTnLst>
+                                    <p:set>
+                                      <p:cBhvr>
+                                        <p:cTn id="8" dur="1" fill="hold">
+                                          <p:stCondLst>
+                                            <p:cond delay="0"/>
+                                          </p:stCondLst>
+                                        </p:cTn>
+                                        <p:tgtEl>
+                                          <p:spTgt spid="3">
+                                            <p:txEl>
+                                              <p:pRg st="3" end="3"/>
+                                            </p:txEl>
+                                          </p:spTgt>
+                                        </p:tgtEl>
+                                        <p:attrNameLst>
+                                          <p:attrName>style.visibility</p:attrName>
+                                        </p:attrNameLst>
+                                      </p:cBhvr>
+                                      <p:to>
+                                        <p:strVal val="visible"/>
+                                      </p:to>
+                                    </p:set>
+                                  </p:childTnLst>
+                                </p:cTn>
+                              </p:par>
+                            </p:childTnLst>
+                          </p:cTn>
+                        </p:par>
+                      </p:childTnLst>
+                    </p:cTn>
+                  </p:par>
+                  <p:par>
+                    <p:cTn id="9" fill="hold">
+                      <p:stCondLst>
+                        <p:cond delay="indefinite"/>
+                      </p:stCondLst>
+                      <p:childTnLst>
+                        <p:par>
+                          <p:cTn id="10" fill="hold">
+                            <p:stCondLst>
+                              <p:cond delay="0"/>
+                            </p:stCondLst>
+                            <p:childTnLst>
+                              <p:par>
+                                <p:cTn id="11" presetID="1" presetClass="entr" presetSubtype="0" fill="hold" nodeType="clickEffect">
+                                  <p:stCondLst>
+                                    <p:cond delay="0"/>
+                                  </p:stCondLst>
+                                  <p:childTnLst>
+                                    <p:set>
+                                      <p:cBhvr>
+                                        <p:cTn id="12" dur="1" fill="hold">
+                                          <p:stCondLst>
+                                            <p:cond delay="0"/>
+                                          </p:stCondLst>
+                                        </p:cTn>
+                                        <p:tgtEl>
+                                          <p:spTgt spid="3">
+                                            <p:txEl>
+                                              <p:pRg st="4" end="4"/>
+                                            </p:txEl>
+                                          </p:spTgt>
+                                        </p:tgtEl>
+                                        <p:attrNameLst>
+                                          <p:attrName>style.visibility</p:attrName>
+                                        </p:attrNameLst>
+                                      </p:cBhvr>
+                                      <p:to>
+                                        <p:strVal val="visible"/>
+                                      </p:to>
+                                    </p:set>
+                                  </p:childTnLst>
+                                </p:cTn>
+                              </p:par>
+                            </p:childTnLst>
+                          </p:cTn>
+                        </p:par>
+                      </p:childTnLst>
+                    </p:cTn>
+                  </p:par>
+                  <p:par>
+                    <p:cTn id="13" fill="hold">
+                      <p:stCondLst>
+                        <p:cond delay="indefinite"/>
+                      </p:stCondLst>
+                      <p:childTnLst>
+                        <p:par>
+                          <p:cTn id="14" fill="hold">
+                            <p:stCondLst>
+                              <p:cond delay="0"/>
+                            </p:stCondLst>
+                            <p:childTnLst>
+                              <p:par>
+                                <p:cTn id="15" presetID="1" presetClass="entr" presetSubtype="0" fill="hold" nodeType="clickEffect">
+                                  <p:stCondLst>
+                                    <p:cond delay="0"/>
+                                  </p:stCondLst>
+                                  <p:childTnLst>
+                                    <p:set>
+                                      <p:cBhvr>
+                                        <p:cTn id="16" dur="1" fill="hold">
+                                          <p:stCondLst>
+                                            <p:cond delay="0"/>
+                                          </p:stCondLst>
+                                        </p:cTn>
+                                        <p:tgtEl>
+                                          <p:spTgt spid="3">
+                                            <p:txEl>
+                                              <p:pRg st="5" end="5"/>
+                                            </p:txEl>
+                                          </p:spTgt>
+                                        </p:tgtEl>
+                                        <p:attrNameLst>
+                                          <p:attrName>style.visibility</p:attrName>
+                                        </p:attrNameLst>
+                                      </p:cBhvr>
+                                      <p:to>
+                                        <p:strVal val="visible"/>
+                                      </p:to>
+                                    </p:set>
+                                  </p:childTnLst>
+                                </p:cTn>
+                              </p:par>
+                            </p:childTnLst>
+                          </p:cTn>
+                        </p:par>
+                      </p:childTnLst>
+                    </p:cTn>
+                  </p:par>
+                </p:childTnLst>
+              </p:cTn>
+              <p:prevCondLst>
+                <p:cond evt="onPrev" delay="0">
+                  <p:tgtEl>
+                    <p:sldTgt/>
+                  </p:tgtEl>
+                </p:cond>
+              </p:prevCondLst>
+              <p:nextCondLst>
+                <p:cond evt="onNext" delay="0">
+                  <p:tgtEl>
+                    <p:sldTgt/>
+                  </p:tgtEl>
+                </p:cond>
+              </p:nextCondLst>
+            </p:seq>
+          </p:childTnLst>
+        </p:cTn>
+      </p:par>
+    </p:tnLst>
+  </p:timing>
+</p:sld>
+</file>
+
+<file path=ppt/slides/slide18.xml><?xml version="1.0" encoding="utf-8"?>
+<p:sld xmlns:a="http://schemas.openxmlformats.org/drawingml/2006/main" xmlns:r="http://schemas.openxmlformats.org/officeDocument/2006/relationships" xmlns:p="http://schemas.openxmlformats.org/presentationml/2006/main">
+  <p:cSld>
+    <p:spTree>
+      <p:nvGrpSpPr>
+        <p:cNvPr id="1" name=""/>
+        <p:cNvGrpSpPr/>
+        <p:nvPr/>
+      </p:nvGrpSpPr>
+      <p:grpSpPr>
+        <a:xfrm>
+          <a:off x="0" y="0"/>
+          <a:ext cx="0" cy="0"/>
+          <a:chOff x="0" y="0"/>
+          <a:chExt cx="0" cy="0"/>
+        </a:xfrm>
+      </p:grpSpPr>
+      <p:sp>
+        <p:nvSpPr>
+          <p:cNvPr id="2" name="Slide Number Placeholder 1"/>
+          <p:cNvSpPr>
+            <a:spLocks noGrp="1"/>
+          </p:cNvSpPr>
+          <p:nvPr>
+            <p:ph type="sldNum" sz="quarter" idx="5"/>
+          </p:nvPr>
+        </p:nvSpPr>
+        <p:spPr/>
+        <p:txBody>
+          <a:bodyPr/>
+          <a:lstStyle/>
+          <a:p>
+            <a:fld id="{2BF067CD-8E6B-4360-9AA8-C5DF2A48A6D1}" type="slidenum">
+              <a:rPr lang="en-US" noProof="0" smtClean="0"/>
+              <a:pPr/>
+              <a:t>18</a:t>
+            </a:fld>
+            <a:endParaRPr lang="en-US" noProof="0" dirty="0"/>
+          </a:p>
+        </p:txBody>
+      </p:sp>
+      <p:sp>
+        <p:nvSpPr>
+          <p:cNvPr id="4" name="Title 3"/>
+          <p:cNvSpPr>
+            <a:spLocks noGrp="1"/>
+          </p:cNvSpPr>
+          <p:nvPr>
+            <p:ph type="title"/>
+          </p:nvPr>
+        </p:nvSpPr>
+        <p:spPr/>
+        <p:txBody>
+          <a:bodyPr/>
+          <a:lstStyle/>
+          <a:p>
+            <a:r>
+              <a:rPr lang="bg-BG" dirty="0"/>
+              <a:t>Редактиране на </a:t>
+            </a:r>
+            <a:r>
+              <a:rPr lang="bg-BG" dirty="0" smtClean="0"/>
+              <a:t>данни – Видео</a:t>
+            </a:r>
+            <a:endParaRPr lang="en-US" dirty="0"/>
+          </a:p>
+        </p:txBody>
+      </p:sp>
+      <p:pic>
+        <p:nvPicPr>
+          <p:cNvPr id="5" name="Picture 4"/>
+          <p:cNvPicPr>
+            <a:picLocks noChangeAspect="1"/>
+          </p:cNvPicPr>
+          <p:nvPr/>
+        </p:nvPicPr>
+        <p:blipFill>
+          <a:blip r:embed="rId2">
+            <a:extLst>
+              <a:ext uri="{28A0092B-C50C-407E-A947-70E740481C1C}">
+                <a14:useLocalDpi xmlns:a14="http://schemas.microsoft.com/office/drawing/2010/main" val="0"/>
+              </a:ext>
+            </a:extLst>
+          </a:blip>
+          <a:stretch>
+            <a:fillRect/>
+          </a:stretch>
+        </p:blipFill>
+        <p:spPr>
+          <a:xfrm>
+            <a:off x="0" y="1089000"/>
+            <a:ext cx="12192000" cy="6475604"/>
+          </a:xfrm>
+          <a:prstGeom prst="rect">
+            <a:avLst/>
+          </a:prstGeom>
+        </p:spPr>
+      </p:pic>
+    </p:spTree>
+    <p:extLst>
+      <p:ext uri="{BB962C8B-B14F-4D97-AF65-F5344CB8AC3E}">
+        <p14:creationId xmlns:p14="http://schemas.microsoft.com/office/powerpoint/2010/main" val="422993113"/>
+      </p:ext>
+    </p:extLst>
+  </p:cSld>
+  <p:clrMapOvr>
+    <a:masterClrMapping/>
+  </p:clrMapOvr>
+  <mc:AlternateContent xmlns:mc="http://schemas.openxmlformats.org/markup-compatibility/2006" xmlns:p14="http://schemas.microsoft.com/office/powerpoint/2010/main">
+    <mc:Choice Requires="p14">
+      <p:transition spd="slow" p14:dur="2000" advClick="0" advTm="5000"/>
+    </mc:Choice>
+    <mc:Fallback xmlns="">
+      <p:transition spd="slow" advClick="0" advTm="5000"/>
+    </mc:Fallback>
+  </mc:AlternateContent>
+  <p:timing>
+    <p:tnLst>
+      <p:par>
+        <p:cTn id="1" dur="indefinite" restart="never" nodeType="tmRoot"/>
+      </p:par>
+    </p:tnLst>
+  </p:timing>
+</p:sld>
+</file>
+
+<file path=ppt/slides/slide19.xml><?xml version="1.0" encoding="utf-8"?>
 <p:sld xmlns:a="http://schemas.openxmlformats.org/drawingml/2006/main" xmlns:r="http://schemas.openxmlformats.org/officeDocument/2006/relationships" xmlns:p="http://schemas.openxmlformats.org/presentationml/2006/main">
   <p:cSld>
     <p:spTree>
@@ -10069,7 +11255,7 @@
             <a:fld id="{C014DD1E-5D91-48A3-AD6D-45FBA980D106}" type="slidenum">
               <a:rPr lang="en-US" smtClean="0"/>
               <a:pPr/>
-              <a:t>15</a:t>
+              <a:t>19</a:t>
             </a:fld>
             <a:endParaRPr lang="en-US" dirty="0"/>
           </a:p>
@@ -10483,7 +11669,7 @@
                   </a:schemeClr>
                 </a:solidFill>
               </a:rPr>
-              <a:t>Обектите</a:t>
+              <a:t>Данни</a:t>
             </a:r>
             <a:r>
               <a:rPr lang="bg-BG" sz="2800" dirty="0">
@@ -10491,9 +11677,73 @@
                   <a:schemeClr val="bg2"/>
                 </a:solidFill>
               </a:rPr>
-              <a:t> държат двойка ключ-стойност</a:t>
-            </a:r>
-            <a:endParaRPr lang="en-US" sz="2800" dirty="0">
+              <a:t> – </a:t>
+            </a:r>
+            <a:r>
+              <a:rPr lang="bg-BG" sz="2800" b="1" dirty="0">
+                <a:solidFill>
+                  <a:schemeClr val="bg2"/>
+                </a:solidFill>
+              </a:rPr>
+              <a:t>факти</a:t>
+            </a:r>
+            <a:r>
+              <a:rPr lang="bg-BG" sz="2800" dirty="0">
+                <a:solidFill>
+                  <a:schemeClr val="bg2"/>
+                </a:solidFill>
+              </a:rPr>
+              <a:t>, </a:t>
+            </a:r>
+            <a:r>
+              <a:rPr lang="bg-BG" sz="2800" b="1" dirty="0">
+                <a:solidFill>
+                  <a:schemeClr val="bg2"/>
+                </a:solidFill>
+              </a:rPr>
+              <a:t>понятия</a:t>
+            </a:r>
+            <a:r>
+              <a:rPr lang="bg-BG" sz="2800" dirty="0">
+                <a:solidFill>
+                  <a:schemeClr val="bg2"/>
+                </a:solidFill>
+              </a:rPr>
+              <a:t> или </a:t>
+            </a:r>
+            <a:r>
+              <a:rPr lang="bg-BG" sz="2800" b="1" dirty="0" smtClean="0">
+                <a:solidFill>
+                  <a:schemeClr val="bg2"/>
+                </a:solidFill>
+              </a:rPr>
+              <a:t>указания, </a:t>
+            </a:r>
+            <a:r>
+              <a:rPr lang="bg-BG" sz="2800" dirty="0" smtClean="0">
+                <a:solidFill>
+                  <a:schemeClr val="bg2"/>
+                </a:solidFill>
+              </a:rPr>
+              <a:t>бработват </a:t>
+            </a:r>
+            <a:r>
+              <a:rPr lang="bg-BG" sz="2800" dirty="0">
+                <a:solidFill>
+                  <a:schemeClr val="bg2"/>
+                </a:solidFill>
+              </a:rPr>
+              <a:t>от човек или </a:t>
+            </a:r>
+            <a:r>
+              <a:rPr lang="bg-BG" sz="2800" dirty="0" smtClean="0">
+                <a:solidFill>
+                  <a:schemeClr val="bg2"/>
+                </a:solidFill>
+              </a:rPr>
+              <a:t>компютър</a:t>
+            </a:r>
+            <a:endParaRPr lang="bg-BG" sz="2800" b="1" dirty="0" smtClean="0">
               <a:solidFill>
                 <a:schemeClr val="bg2"/>
               </a:solidFill>
@@ -10508,11 +11758,99 @@
                 <a:schemeClr val="bg2"/>
               </a:buClr>
             </a:pPr>
-            <a:endParaRPr lang="en-US" sz="2800" dirty="0">
+            <a:r>
+              <a:rPr lang="bg-BG" sz="2800" dirty="0">
+                <a:solidFill>
+                  <a:schemeClr val="bg2"/>
+                </a:solidFill>
+              </a:rPr>
+              <a:t>Основни елементи на ел. </a:t>
+            </a:r>
+            <a:r>
+              <a:rPr lang="bg-BG" sz="2800" dirty="0" smtClean="0">
+                <a:solidFill>
+                  <a:schemeClr val="bg2"/>
+                </a:solidFill>
+              </a:rPr>
+              <a:t>таблица:</a:t>
+            </a:r>
+          </a:p>
+          <a:p>
+            <a:pPr marL="888666" lvl="1" indent="-355600">
+              <a:lnSpc>
+                <a:spcPct val="100000"/>
+              </a:lnSpc>
+              <a:buClr>
+                <a:schemeClr val="bg2"/>
+              </a:buClr>
+            </a:pPr>
+            <a:r>
+              <a:rPr lang="bg-BG" sz="2600" b="1" dirty="0" smtClean="0">
+                <a:solidFill>
+                  <a:schemeClr val="bg2"/>
+                </a:solidFill>
+              </a:rPr>
+              <a:t>Клетка</a:t>
+            </a:r>
+          </a:p>
+          <a:p>
+            <a:pPr marL="888666" lvl="1" indent="-355600">
+              <a:lnSpc>
+                <a:spcPct val="100000"/>
+              </a:lnSpc>
+              <a:buClr>
+                <a:schemeClr val="bg2"/>
+              </a:buClr>
+            </a:pPr>
+            <a:r>
+              <a:rPr lang="bg-BG" sz="2600" b="1" dirty="0" smtClean="0">
+                <a:solidFill>
+                  <a:schemeClr val="bg2"/>
+                </a:solidFill>
+              </a:rPr>
+              <a:t>Ред</a:t>
+            </a:r>
+            <a:endParaRPr lang="bg-BG" sz="2600" b="1" dirty="0">
               <a:solidFill>
                 <a:schemeClr val="bg2"/>
               </a:solidFill>
             </a:endParaRPr>
+          </a:p>
+          <a:p>
+            <a:pPr marL="888666" lvl="1" indent="-355600">
+              <a:lnSpc>
+                <a:spcPct val="100000"/>
+              </a:lnSpc>
+              <a:buClr>
+                <a:schemeClr val="bg2"/>
+              </a:buClr>
+            </a:pPr>
+            <a:r>
+              <a:rPr lang="bg-BG" sz="2600" b="1" dirty="0" smtClean="0">
+                <a:solidFill>
+                  <a:schemeClr val="bg2"/>
+                </a:solidFill>
+              </a:rPr>
+              <a:t>Колона</a:t>
+            </a:r>
+          </a:p>
+          <a:p>
+            <a:pPr marL="888666" lvl="1" indent="-355600">
+              <a:lnSpc>
+                <a:spcPct val="100000"/>
+              </a:lnSpc>
+              <a:buClr>
+                <a:schemeClr val="bg2"/>
+              </a:buClr>
+            </a:pPr>
+            <a:r>
+              <a:rPr lang="bg-BG" sz="2600" b="1" dirty="0" smtClean="0">
+                <a:solidFill>
+                  <a:schemeClr val="bg2"/>
+                </a:solidFill>
+              </a:rPr>
+              <a:t>Адрес на клетката</a:t>
+            </a:r>
           </a:p>
           <a:p>
             <a:pPr marL="355600" indent="-355600">
@@ -10523,38 +11861,8 @@
                 <a:schemeClr val="bg2"/>
               </a:buClr>
             </a:pPr>
-            <a:endParaRPr lang="en-US" sz="2800" dirty="0">
-              <a:solidFill>
-                <a:schemeClr val="bg2"/>
-              </a:solidFill>
-            </a:endParaRPr>
-          </a:p>
-          <a:p>
-            <a:pPr marL="355600" indent="-355600">
-              <a:lnSpc>
-                <a:spcPct val="100000"/>
-              </a:lnSpc>
-              <a:buClr>
-                <a:schemeClr val="bg2"/>
-              </a:buClr>
-            </a:pPr>
-            <a:endParaRPr lang="bg-BG" sz="2800" dirty="0">
-              <a:solidFill>
-                <a:schemeClr val="bg2"/>
-              </a:solidFill>
-            </a:endParaRPr>
-          </a:p>
-          <a:p>
-            <a:pPr marL="355600" indent="-355600">
-              <a:lnSpc>
-                <a:spcPct val="100000"/>
-              </a:lnSpc>
-              <a:buClr>
-                <a:schemeClr val="bg2"/>
-              </a:buClr>
-            </a:pPr>
-            <a:r>
-              <a:rPr lang="bg-BG" sz="2800" b="1" dirty="0">
+            <a:r>
+              <a:rPr lang="en-US" sz="2800" b="1" dirty="0" smtClean="0">
                 <a:solidFill>
                   <a:schemeClr val="bg1">
                     <a:lumMod val="60000"/>
@@ -10562,453 +11870,69 @@
                   </a:schemeClr>
                 </a:solidFill>
               </a:rPr>
-              <a:t>Речниците</a:t>
-            </a:r>
-            <a:r>
-              <a:rPr lang="bg-BG" sz="2800" dirty="0">
+              <a:t>MS Excel </a:t>
+            </a:r>
+            <a:r>
+              <a:rPr lang="en-US" sz="2800" dirty="0" smtClean="0">
                 <a:solidFill>
                   <a:schemeClr val="bg2"/>
                 </a:solidFill>
               </a:rPr>
-              <a:t> съпоставят стойност към ключ, запазват реда им</a:t>
-            </a:r>
-          </a:p>
-          <a:p>
-            <a:pPr marL="355600" indent="-355600">
-              <a:lnSpc>
-                <a:spcPct val="100000"/>
-              </a:lnSpc>
-              <a:buClr>
-                <a:schemeClr val="bg2"/>
-              </a:buClr>
-            </a:pPr>
-            <a:r>
-              <a:rPr lang="bg-BG" sz="2800" b="1" dirty="0">
-                <a:solidFill>
-                  <a:schemeClr val="bg1">
-                    <a:lumMod val="60000"/>
-                    <a:lumOff val="40000"/>
-                  </a:schemeClr>
-                </a:solidFill>
-              </a:rPr>
-              <a:t>Множествата</a:t>
-            </a:r>
-            <a:r>
-              <a:rPr lang="bg-BG" sz="2800" dirty="0">
+              <a:t>– </a:t>
+            </a:r>
+            <a:r>
+              <a:rPr lang="bg-BG" sz="2800" dirty="0" smtClean="0">
                 <a:solidFill>
                   <a:schemeClr val="bg2"/>
                 </a:solidFill>
               </a:rPr>
-              <a:t> са колекции от уникални стойности</a:t>
-            </a:r>
-          </a:p>
-        </p:txBody>
-      </p:sp>
-      <p:sp>
-        <p:nvSpPr>
-          <p:cNvPr id="2" name="Text Placeholder Code Box">
-            <a:extLst>
-              <a:ext uri="{FF2B5EF4-FFF2-40B4-BE49-F238E27FC236}">
-                <a16:creationId xmlns:a16="http://schemas.microsoft.com/office/drawing/2014/main" id="{166C157C-1313-4B06-AA19-2D706540A2D2}"/>
-              </a:ext>
-            </a:extLst>
-          </p:cNvPr>
-          <p:cNvSpPr txBox="1">
-            <a:spLocks/>
-          </p:cNvSpPr>
-          <p:nvPr/>
-        </p:nvSpPr>
-        <p:spPr>
-          <a:xfrm>
-            <a:off x="1145999" y="2238128"/>
-            <a:ext cx="10176275" cy="1517632"/>
-          </a:xfrm>
-          <a:prstGeom prst="rect">
-            <a:avLst/>
-          </a:prstGeom>
-          <a:solidFill>
-            <a:schemeClr val="bg2">
-              <a:lumMod val="95000"/>
-            </a:schemeClr>
-          </a:solidFill>
-          <a:ln w="12700">
-            <a:solidFill>
-              <a:schemeClr val="tx1">
-                <a:lumMod val="75000"/>
-              </a:schemeClr>
-            </a:solidFill>
-          </a:ln>
-        </p:spPr>
-        <p:txBody>
-          <a:bodyPr vert="horz" wrap="square" lIns="144000" tIns="108000" rIns="144000" bIns="108000" rtlCol="0">
-            <a:spAutoFit/>
-          </a:bodyPr>
-          <a:lstStyle>
-            <a:defPPr>
-              <a:defRPr lang="en-US"/>
-            </a:defPPr>
-            <a:lvl1pPr indent="0" defTabSz="1218438">
-              <a:lnSpc>
-                <a:spcPct val="105000"/>
-              </a:lnSpc>
-              <a:spcBef>
-                <a:spcPts val="0"/>
-              </a:spcBef>
-              <a:spcAft>
-                <a:spcPts val="0"/>
-              </a:spcAft>
-              <a:buFont typeface="Wingdings" panose="05000000000000000000" pitchFamily="2" charset="2"/>
-              <a:buNone/>
-              <a:defRPr lang="en-US" sz="2400" b="1" noProof="1" smtClean="0">
-                <a:effectLst/>
-                <a:latin typeface="Consolas" pitchFamily="49" charset="0"/>
-                <a:cs typeface="Consolas" pitchFamily="49" charset="0"/>
-              </a:defRPr>
-            </a:lvl1pPr>
-            <a:lvl2pPr marL="803275" indent="-360363" defTabSz="1218438">
-              <a:lnSpc>
-                <a:spcPct val="105000"/>
-              </a:lnSpc>
-              <a:spcBef>
-                <a:spcPts val="600"/>
-              </a:spcBef>
-              <a:spcAft>
-                <a:spcPts val="600"/>
-              </a:spcAft>
-              <a:buFont typeface="Wingdings" panose="05000000000000000000" pitchFamily="2" charset="2"/>
-              <a:buChar char="§"/>
-              <a:defRPr sz="3198"/>
-            </a:lvl2pPr>
-            <a:lvl3pPr marL="1255713" indent="-360363" defTabSz="1218438">
-              <a:lnSpc>
-                <a:spcPct val="105000"/>
-              </a:lnSpc>
-              <a:spcBef>
-                <a:spcPts val="600"/>
-              </a:spcBef>
-              <a:spcAft>
-                <a:spcPts val="600"/>
-              </a:spcAft>
-              <a:buFont typeface="Wingdings" panose="05000000000000000000" pitchFamily="2" charset="2"/>
-              <a:buChar char="§"/>
-              <a:defRPr sz="2998"/>
-            </a:lvl3pPr>
-            <a:lvl4pPr marL="1700213" indent="-352425" defTabSz="1218438">
-              <a:lnSpc>
-                <a:spcPct val="105000"/>
-              </a:lnSpc>
-              <a:spcBef>
-                <a:spcPts val="600"/>
-              </a:spcBef>
-              <a:spcAft>
-                <a:spcPts val="600"/>
-              </a:spcAft>
-              <a:buFont typeface="Wingdings" panose="05000000000000000000" pitchFamily="2" charset="2"/>
-              <a:buChar char="§"/>
-              <a:defRPr sz="2798"/>
-            </a:lvl4pPr>
-            <a:lvl5pPr marL="2058988" indent="-266700" defTabSz="1218438">
-              <a:lnSpc>
-                <a:spcPct val="105000"/>
-              </a:lnSpc>
-              <a:spcBef>
-                <a:spcPts val="600"/>
-              </a:spcBef>
-              <a:spcAft>
-                <a:spcPts val="600"/>
-              </a:spcAft>
-              <a:buFont typeface="Wingdings" panose="05000000000000000000" pitchFamily="2" charset="2"/>
-              <a:buChar char="§"/>
-              <a:defRPr sz="2598"/>
-            </a:lvl5pPr>
-            <a:lvl6pPr marL="3350704" indent="-304610" defTabSz="1218438" latinLnBrk="1">
-              <a:spcBef>
-                <a:spcPct val="20000"/>
-              </a:spcBef>
-              <a:buFont typeface="Arial" pitchFamily="34" charset="0"/>
-              <a:buChar char="•"/>
-              <a:defRPr sz="2665"/>
-            </a:lvl6pPr>
-            <a:lvl7pPr marL="3959924" indent="-304610" defTabSz="1218438" latinLnBrk="1">
-              <a:spcBef>
-                <a:spcPct val="20000"/>
-              </a:spcBef>
-              <a:buFont typeface="Arial" pitchFamily="34" charset="0"/>
-              <a:buChar char="•"/>
-              <a:defRPr sz="2665"/>
-            </a:lvl7pPr>
-            <a:lvl8pPr marL="4569143" indent="-304610" defTabSz="1218438" latinLnBrk="1">
-              <a:spcBef>
-                <a:spcPct val="20000"/>
-              </a:spcBef>
-              <a:buFont typeface="Arial" pitchFamily="34" charset="0"/>
-              <a:buChar char="•"/>
-              <a:defRPr sz="2665"/>
-            </a:lvl8pPr>
-            <a:lvl9pPr marL="5178362" indent="-304610" defTabSz="1218438" latinLnBrk="1">
-              <a:spcBef>
-                <a:spcPct val="20000"/>
-              </a:spcBef>
-              <a:buFont typeface="Arial" pitchFamily="34" charset="0"/>
-              <a:buChar char="•"/>
-              <a:defRPr sz="2665"/>
-            </a:lvl9pPr>
-          </a:lstStyle>
-          <a:p>
-            <a:pPr>
-              <a:spcBef>
-                <a:spcPts val="300"/>
-              </a:spcBef>
-              <a:spcAft>
-                <a:spcPts val="300"/>
-              </a:spcAft>
-            </a:pPr>
-            <a:r>
-              <a:rPr lang="en-US" dirty="0"/>
-              <a:t>let obj = </a:t>
-            </a:r>
-            <a:r>
-              <a:rPr lang="en-US" dirty="0">
+              <a:t>програма за </a:t>
+            </a:r>
+            <a:r>
+              <a:rPr lang="bg-BG" sz="2800" b="1" dirty="0" smtClean="0">
                 <a:solidFill>
-                  <a:schemeClr val="bg1"/>
+                  <a:schemeClr val="bg2"/>
                 </a:solidFill>
               </a:rPr>
-              <a:t>{</a:t>
-            </a:r>
-            <a:r>
-              <a:rPr lang="en-US" dirty="0"/>
-              <a:t> name: "SoftUni", age: 3 </a:t>
-            </a:r>
-            <a:r>
-              <a:rPr lang="en-US" dirty="0">
+              <a:t>въвеждане</a:t>
+            </a:r>
+            <a:r>
+              <a:rPr lang="bg-BG" sz="2800" dirty="0" smtClean="0">
                 <a:solidFill>
-                  <a:schemeClr val="bg1"/>
+                  <a:schemeClr val="bg2"/>
                 </a:solidFill>
               </a:rPr>
-              <a:t>}</a:t>
-            </a:r>
-            <a:r>
-              <a:rPr lang="en-US" dirty="0"/>
-              <a:t>;</a:t>
-            </a:r>
-          </a:p>
-          <a:p>
-            <a:pPr>
-              <a:spcBef>
-                <a:spcPts val="300"/>
-              </a:spcBef>
-              <a:spcAft>
-                <a:spcPts val="300"/>
-              </a:spcAft>
-            </a:pPr>
-            <a:r>
-              <a:rPr lang="en-US" dirty="0"/>
-              <a:t>obj.age++;</a:t>
-            </a:r>
-          </a:p>
-          <a:p>
-            <a:pPr>
-              <a:spcBef>
-                <a:spcPts val="300"/>
-              </a:spcBef>
-              <a:spcAft>
-                <a:spcPts val="300"/>
-              </a:spcAft>
-            </a:pPr>
-            <a:r>
-              <a:rPr lang="en-US" dirty="0">
+              <a:t> и </a:t>
+            </a:r>
+            <a:r>
+              <a:rPr lang="bg-BG" sz="2800" b="1" dirty="0" smtClean="0">
                 <a:solidFill>
-                  <a:schemeClr val="bg1"/>
+                  <a:schemeClr val="bg2"/>
                 </a:solidFill>
               </a:rPr>
-              <a:t>delete</a:t>
-            </a:r>
-            <a:r>
-              <a:rPr lang="en-US" dirty="0"/>
-              <a:t> obj.name;</a:t>
-            </a:r>
-          </a:p>
-        </p:txBody>
-      </p:sp>
-      <p:sp>
-        <p:nvSpPr>
-          <p:cNvPr id="5" name="Text Placeholder Code Box">
-            <a:extLst>
-              <a:ext uri="{FF2B5EF4-FFF2-40B4-BE49-F238E27FC236}">
-                <a16:creationId xmlns:a16="http://schemas.microsoft.com/office/drawing/2014/main" id="{87A5E0F1-E114-4252-5D2D-F94BA48E322E}"/>
-              </a:ext>
-            </a:extLst>
-          </p:cNvPr>
-          <p:cNvSpPr txBox="1">
-            <a:spLocks/>
-          </p:cNvSpPr>
-          <p:nvPr/>
-        </p:nvSpPr>
-        <p:spPr>
-          <a:xfrm>
-            <a:off x="1145999" y="5135853"/>
-            <a:ext cx="10176275" cy="588147"/>
-          </a:xfrm>
-          <a:prstGeom prst="rect">
-            <a:avLst/>
-          </a:prstGeom>
-          <a:solidFill>
-            <a:schemeClr val="bg2">
-              <a:lumMod val="95000"/>
-            </a:schemeClr>
-          </a:solidFill>
-          <a:ln w="12700">
-            <a:solidFill>
-              <a:schemeClr val="tx1">
-                <a:lumMod val="75000"/>
-              </a:schemeClr>
-            </a:solidFill>
-          </a:ln>
-        </p:spPr>
-        <p:txBody>
-          <a:bodyPr vert="horz" wrap="square" lIns="144000" tIns="108000" rIns="144000" bIns="108000" rtlCol="0">
-            <a:spAutoFit/>
-          </a:bodyPr>
-          <a:lstStyle>
-            <a:defPPr>
-              <a:defRPr lang="en-US"/>
-            </a:defPPr>
-            <a:lvl1pPr indent="0" defTabSz="1218438">
-              <a:lnSpc>
-                <a:spcPct val="105000"/>
-              </a:lnSpc>
-              <a:spcBef>
-                <a:spcPts val="0"/>
-              </a:spcBef>
-              <a:spcAft>
-                <a:spcPts val="0"/>
-              </a:spcAft>
-              <a:buFont typeface="Wingdings" panose="05000000000000000000" pitchFamily="2" charset="2"/>
-              <a:buNone/>
-              <a:defRPr lang="en-US" sz="2400" b="1" noProof="1" smtClean="0">
-                <a:effectLst/>
-                <a:latin typeface="Consolas" pitchFamily="49" charset="0"/>
-                <a:cs typeface="Consolas" pitchFamily="49" charset="0"/>
-              </a:defRPr>
-            </a:lvl1pPr>
-            <a:lvl2pPr marL="803275" indent="-360363" defTabSz="1218438">
-              <a:lnSpc>
-                <a:spcPct val="105000"/>
-              </a:lnSpc>
-              <a:spcBef>
-                <a:spcPts val="600"/>
-              </a:spcBef>
-              <a:spcAft>
-                <a:spcPts val="600"/>
-              </a:spcAft>
-              <a:buFont typeface="Wingdings" panose="05000000000000000000" pitchFamily="2" charset="2"/>
-              <a:buChar char="§"/>
-              <a:defRPr sz="3198"/>
-            </a:lvl2pPr>
-            <a:lvl3pPr marL="1255713" indent="-360363" defTabSz="1218438">
-              <a:lnSpc>
-                <a:spcPct val="105000"/>
-              </a:lnSpc>
-              <a:spcBef>
-                <a:spcPts val="600"/>
-              </a:spcBef>
-              <a:spcAft>
-                <a:spcPts val="600"/>
-              </a:spcAft>
-              <a:buFont typeface="Wingdings" panose="05000000000000000000" pitchFamily="2" charset="2"/>
-              <a:buChar char="§"/>
-              <a:defRPr sz="2998"/>
-            </a:lvl3pPr>
-            <a:lvl4pPr marL="1700213" indent="-352425" defTabSz="1218438">
-              <a:lnSpc>
-                <a:spcPct val="105000"/>
-              </a:lnSpc>
-              <a:spcBef>
-                <a:spcPts val="600"/>
-              </a:spcBef>
-              <a:spcAft>
-                <a:spcPts val="600"/>
-              </a:spcAft>
-              <a:buFont typeface="Wingdings" panose="05000000000000000000" pitchFamily="2" charset="2"/>
-              <a:buChar char="§"/>
-              <a:defRPr sz="2798"/>
-            </a:lvl4pPr>
-            <a:lvl5pPr marL="2058988" indent="-266700" defTabSz="1218438">
-              <a:lnSpc>
-                <a:spcPct val="105000"/>
-              </a:lnSpc>
-              <a:spcBef>
-                <a:spcPts val="600"/>
-              </a:spcBef>
-              <a:spcAft>
-                <a:spcPts val="600"/>
-              </a:spcAft>
-              <a:buFont typeface="Wingdings" panose="05000000000000000000" pitchFamily="2" charset="2"/>
-              <a:buChar char="§"/>
-              <a:defRPr sz="2598"/>
-            </a:lvl5pPr>
-            <a:lvl6pPr marL="3350704" indent="-304610" defTabSz="1218438" latinLnBrk="1">
-              <a:spcBef>
-                <a:spcPct val="20000"/>
-              </a:spcBef>
-              <a:buFont typeface="Arial" pitchFamily="34" charset="0"/>
-              <a:buChar char="•"/>
-              <a:defRPr sz="2665"/>
-            </a:lvl6pPr>
-            <a:lvl7pPr marL="3959924" indent="-304610" defTabSz="1218438" latinLnBrk="1">
-              <a:spcBef>
-                <a:spcPct val="20000"/>
-              </a:spcBef>
-              <a:buFont typeface="Arial" pitchFamily="34" charset="0"/>
-              <a:buChar char="•"/>
-              <a:defRPr sz="2665"/>
-            </a:lvl7pPr>
-            <a:lvl8pPr marL="4569143" indent="-304610" defTabSz="1218438" latinLnBrk="1">
-              <a:spcBef>
-                <a:spcPct val="20000"/>
-              </a:spcBef>
-              <a:buFont typeface="Arial" pitchFamily="34" charset="0"/>
-              <a:buChar char="•"/>
-              <a:defRPr sz="2665"/>
-            </a:lvl8pPr>
-            <a:lvl9pPr marL="5178362" indent="-304610" defTabSz="1218438" latinLnBrk="1">
-              <a:spcBef>
-                <a:spcPct val="20000"/>
-              </a:spcBef>
-              <a:buFont typeface="Arial" pitchFamily="34" charset="0"/>
-              <a:buChar char="•"/>
-              <a:defRPr sz="2665"/>
-            </a:lvl9pPr>
-          </a:lstStyle>
-          <a:p>
-            <a:r>
-              <a:rPr lang="en-US" dirty="0"/>
-              <a:t>let set = </a:t>
-            </a:r>
-            <a:r>
-              <a:rPr lang="en-US" dirty="0">
+              <a:t>обработване</a:t>
+            </a:r>
+            <a:r>
+              <a:rPr lang="bg-BG" sz="2800" dirty="0" smtClean="0">
                 <a:solidFill>
-                  <a:schemeClr val="bg1"/>
+                  <a:schemeClr val="bg2"/>
                 </a:solidFill>
               </a:rPr>
-              <a:t>new Set()</a:t>
-            </a:r>
-            <a:r>
-              <a:rPr lang="en-US" dirty="0"/>
-              <a:t>; set.</a:t>
-            </a:r>
-            <a:r>
-              <a:rPr lang="en-US" dirty="0">
+              <a:t> на информация в </a:t>
+            </a:r>
+            <a:r>
+              <a:rPr lang="bg-BG" sz="2800" b="1" dirty="0" smtClean="0">
                 <a:solidFill>
-                  <a:schemeClr val="bg1"/>
+                  <a:schemeClr val="bg2"/>
                 </a:solidFill>
               </a:rPr>
-              <a:t>add</a:t>
-            </a:r>
-            <a:r>
-              <a:rPr lang="en-US" dirty="0"/>
-              <a:t>(5);</a:t>
-            </a:r>
+              <a:t>табличен вид</a:t>
+            </a:r>
+            <a:endParaRPr lang="bg-BG" sz="2800" b="1" dirty="0">
+              <a:solidFill>
+                <a:schemeClr val="bg2"/>
+              </a:solidFill>
+            </a:endParaRPr>
           </a:p>
         </p:txBody>
       </p:sp>
@@ -11066,6 +11990,135 @@
                                         <p:tgtEl>
                                           <p:spTgt spid="15">
                                             <p:txEl>
+                                              <p:pRg st="1" end="1"/>
+                                            </p:txEl>
+                                          </p:spTgt>
+                                        </p:tgtEl>
+                                        <p:attrNameLst>
+                                          <p:attrName>style.visibility</p:attrName>
+                                        </p:attrNameLst>
+                                      </p:cBhvr>
+                                      <p:to>
+                                        <p:strVal val="visible"/>
+                                      </p:to>
+                                    </p:set>
+                                  </p:childTnLst>
+                                </p:cTn>
+                              </p:par>
+                              <p:par>
+                                <p:cTn id="7" presetID="1" presetClass="entr" presetSubtype="0" fill="hold" nodeType="withEffect">
+                                  <p:stCondLst>
+                                    <p:cond delay="0"/>
+                                  </p:stCondLst>
+                                  <p:childTnLst>
+                                    <p:set>
+                                      <p:cBhvr>
+                                        <p:cTn id="8" dur="1" fill="hold">
+                                          <p:stCondLst>
+                                            <p:cond delay="0"/>
+                                          </p:stCondLst>
+                                        </p:cTn>
+                                        <p:tgtEl>
+                                          <p:spTgt spid="15">
+                                            <p:txEl>
+                                              <p:pRg st="2" end="2"/>
+                                            </p:txEl>
+                                          </p:spTgt>
+                                        </p:tgtEl>
+                                        <p:attrNameLst>
+                                          <p:attrName>style.visibility</p:attrName>
+                                        </p:attrNameLst>
+                                      </p:cBhvr>
+                                      <p:to>
+                                        <p:strVal val="visible"/>
+                                      </p:to>
+                                    </p:set>
+                                  </p:childTnLst>
+                                </p:cTn>
+                              </p:par>
+                            </p:childTnLst>
+                          </p:cTn>
+                        </p:par>
+                      </p:childTnLst>
+                    </p:cTn>
+                  </p:par>
+                  <p:par>
+                    <p:cTn id="9" fill="hold">
+                      <p:stCondLst>
+                        <p:cond delay="indefinite"/>
+                      </p:stCondLst>
+                      <p:childTnLst>
+                        <p:par>
+                          <p:cTn id="10" fill="hold">
+                            <p:stCondLst>
+                              <p:cond delay="0"/>
+                            </p:stCondLst>
+                            <p:childTnLst>
+                              <p:par>
+                                <p:cTn id="11" presetID="1" presetClass="entr" presetSubtype="0" fill="hold" nodeType="clickEffect">
+                                  <p:stCondLst>
+                                    <p:cond delay="0"/>
+                                  </p:stCondLst>
+                                  <p:childTnLst>
+                                    <p:set>
+                                      <p:cBhvr>
+                                        <p:cTn id="12" dur="1" fill="hold">
+                                          <p:stCondLst>
+                                            <p:cond delay="0"/>
+                                          </p:stCondLst>
+                                        </p:cTn>
+                                        <p:tgtEl>
+                                          <p:spTgt spid="15">
+                                            <p:txEl>
+                                              <p:pRg st="3" end="3"/>
+                                            </p:txEl>
+                                          </p:spTgt>
+                                        </p:tgtEl>
+                                        <p:attrNameLst>
+                                          <p:attrName>style.visibility</p:attrName>
+                                        </p:attrNameLst>
+                                      </p:cBhvr>
+                                      <p:to>
+                                        <p:strVal val="visible"/>
+                                      </p:to>
+                                    </p:set>
+                                  </p:childTnLst>
+                                </p:cTn>
+                              </p:par>
+                            </p:childTnLst>
+                          </p:cTn>
+                        </p:par>
+                      </p:childTnLst>
+                    </p:cTn>
+                  </p:par>
+                  <p:par>
+                    <p:cTn id="13" fill="hold">
+                      <p:stCondLst>
+                        <p:cond delay="indefinite"/>
+                      </p:stCondLst>
+                      <p:childTnLst>
+                        <p:par>
+                          <p:cTn id="14" fill="hold">
+                            <p:stCondLst>
+                              <p:cond delay="0"/>
+                            </p:stCondLst>
+                            <p:childTnLst>
+                              <p:par>
+                                <p:cTn id="15" presetID="1" presetClass="entr" presetSubtype="0" fill="hold" nodeType="clickEffect">
+                                  <p:stCondLst>
+                                    <p:cond delay="0"/>
+                                  </p:stCondLst>
+                                  <p:childTnLst>
+                                    <p:set>
+                                      <p:cBhvr>
+                                        <p:cTn id="16" dur="1" fill="hold">
+                                          <p:stCondLst>
+                                            <p:cond delay="0"/>
+                                          </p:stCondLst>
+                                        </p:cTn>
+                                        <p:tgtEl>
+                                          <p:spTgt spid="15">
+                                            <p:txEl>
                                               <p:pRg st="4" end="4"/>
                                             </p:txEl>
                                           </p:spTgt>
@@ -11088,26 +12141,26 @@
                     </p:cTn>
                   </p:par>
                   <p:par>
-                    <p:cTn id="7" fill="hold">
+                    <p:cTn id="17" fill="hold">
                       <p:stCondLst>
                         <p:cond delay="indefinite"/>
                       </p:stCondLst>
                       <p:childTnLst>
                         <p:par>
-                          <p:cTn id="8" fill="hold">
+                          <p:cTn id="18" fill="hold">
                             <p:stCondLst>
                               <p:cond delay="0"/>
                             </p:stCondLst>
                             <p:childTnLst>
                               <p:par>
-                                <p:cTn id="9" presetID="1" presetClass="entr" presetSubtype="0" fill="hold" nodeType="clickEffect">
+                                <p:cTn id="19" presetID="1" presetClass="entr" presetSubtype="0" fill="hold" nodeType="clickEffect">
                                   <p:stCondLst>
                                     <p:cond delay="0"/>
                                   </p:stCondLst>
                                   <p:childTnLst>
                                     <p:set>
                                       <p:cBhvr>
-                                        <p:cTn id="10" dur="1" fill="hold">
+                                        <p:cTn id="20" dur="1" fill="hold">
                                           <p:stCondLst>
                                             <p:cond delay="0"/>
                                           </p:stCondLst>
@@ -11130,21 +12183,43 @@
                                   </p:childTnLst>
                                 </p:cTn>
                               </p:par>
+                            </p:childTnLst>
+                          </p:cTn>
+                        </p:par>
+                      </p:childTnLst>
+                    </p:cTn>
+                  </p:par>
+                  <p:par>
+                    <p:cTn id="21" fill="hold">
+                      <p:stCondLst>
+                        <p:cond delay="indefinite"/>
+                      </p:stCondLst>
+                      <p:childTnLst>
+                        <p:par>
+                          <p:cTn id="22" fill="hold">
+                            <p:stCondLst>
+                              <p:cond delay="0"/>
+                            </p:stCondLst>
+                            <p:childTnLst>
                               <p:par>
-                                <p:cTn id="11" presetID="1" presetClass="entr" presetSubtype="0" fill="hold" grpId="0" nodeType="withEffect">
+                                <p:cTn id="23" presetID="1" presetClass="entr" presetSubtype="0" fill="hold" nodeType="clickEffect">
                                   <p:stCondLst>
                                     <p:cond delay="0"/>
                                   </p:stCondLst>
                                   <p:childTnLst>
                                     <p:set>
                                       <p:cBhvr>
-                                        <p:cTn id="12" dur="1" fill="hold">
+                                        <p:cTn id="24" dur="1" fill="hold">
                                           <p:stCondLst>
                                             <p:cond delay="0"/>
                                           </p:stCondLst>
                                         </p:cTn>
                                         <p:tgtEl>
-                                          <p:spTgt spid="5"/>
+                                          <p:spTgt spid="15">
+                                            <p:txEl>
+                                              <p:pRg st="6" end="6"/>
+                                            </p:txEl>
+                                          </p:spTgt>
                                         </p:tgtEl>
                                         <p:attrNameLst>
                                           <p:attrName>style.visibility</p:attrName>
@@ -11184,590 +12259,7 @@
         </p:cTn>
       </p:par>
     </p:tnLst>
-    <p:bldLst>
-      <p:bldP spid="5" grpId="0" animBg="1"/>
-    </p:bldLst>
   </p:timing>
-</p:sld>
-</file>
-
-<file path=ppt/slides/slide16.xml><?xml version="1.0" encoding="utf-8"?>
-<p:sld xmlns:a="http://schemas.openxmlformats.org/drawingml/2006/main" xmlns:r="http://schemas.openxmlformats.org/officeDocument/2006/relationships" xmlns:p="http://schemas.openxmlformats.org/presentationml/2006/main">
-  <p:cSld>
-    <p:spTree>
-      <p:nvGrpSpPr>
-        <p:cNvPr id="1" name=""/>
-        <p:cNvGrpSpPr/>
-        <p:nvPr/>
-      </p:nvGrpSpPr>
-      <p:grpSpPr>
-        <a:xfrm>
-          <a:off x="0" y="0"/>
-          <a:ext cx="0" cy="0"/>
-          <a:chOff x="0" y="0"/>
-          <a:chExt cx="0" cy="0"/>
-        </a:xfrm>
-      </p:grpSpPr>
-      <p:sp>
-        <p:nvSpPr>
-          <p:cNvPr id="5" name="Slide Title">
-            <a:extLst>
-              <a:ext uri="{FF2B5EF4-FFF2-40B4-BE49-F238E27FC236}">
-                <a16:creationId xmlns:a16="http://schemas.microsoft.com/office/drawing/2014/main" id="{FA0703FC-0F8F-4C80-A615-E4B381EC0E0C}"/>
-              </a:ext>
-            </a:extLst>
-          </p:cNvPr>
-          <p:cNvSpPr>
-            <a:spLocks noGrp="1"/>
-          </p:cNvSpPr>
-          <p:nvPr>
-            <p:ph type="title"/>
-          </p:nvPr>
-        </p:nvSpPr>
-        <p:spPr/>
-        <p:txBody>
-          <a:bodyPr/>
-          <a:lstStyle/>
-          <a:p>
-            <a:r>
-              <a:rPr lang="bg-BG" dirty="0"/>
-              <a:t>Въпроси</a:t>
-            </a:r>
-            <a:r>
-              <a:rPr lang="en-US" dirty="0"/>
-              <a:t>?</a:t>
-            </a:r>
-          </a:p>
-        </p:txBody>
-      </p:sp>
-      <p:sp>
-        <p:nvSpPr>
-          <p:cNvPr id="2" name="Rectangle Bottom Copyright">
-            <a:extLst>
-              <a:ext uri="{FF2B5EF4-FFF2-40B4-BE49-F238E27FC236}">
-                <a16:creationId xmlns:a16="http://schemas.microsoft.com/office/drawing/2014/main" id="{664812A4-2991-44D1-BFE9-32E55AADF8A5}"/>
-              </a:ext>
-            </a:extLst>
-          </p:cNvPr>
-          <p:cNvSpPr/>
-          <p:nvPr/>
-        </p:nvSpPr>
-        <p:spPr>
-          <a:xfrm>
-            <a:off x="111000" y="6454758"/>
-            <a:ext cx="11970000" cy="304242"/>
-          </a:xfrm>
-          <a:prstGeom prst="rect">
-            <a:avLst/>
-          </a:prstGeom>
-        </p:spPr>
-        <p:txBody>
-          <a:bodyPr wrap="square">
-            <a:noAutofit/>
-          </a:bodyPr>
-          <a:lstStyle/>
-          <a:p>
-            <a:pPr algn="ctr">
-              <a:lnSpc>
-                <a:spcPct val="100000"/>
-              </a:lnSpc>
-              <a:spcBef>
-                <a:spcPts val="0"/>
-              </a:spcBef>
-              <a:spcAft>
-                <a:spcPts val="0"/>
-              </a:spcAft>
-            </a:pPr>
-            <a:r>
-              <a:rPr lang="bg-BG" sz="1600" dirty="0">
-                <a:solidFill>
-                  <a:schemeClr val="bg2"/>
-                </a:solidFill>
-                <a:effectLst/>
-                <a:latin typeface="Calibri" panose="020F0502020204030204" pitchFamily="34" charset="0"/>
-                <a:ea typeface="Calibri" panose="020F0502020204030204" pitchFamily="34" charset="0"/>
-                <a:cs typeface="Arial" panose="020B0604020202020204" pitchFamily="34" charset="0"/>
-              </a:rPr>
-              <a:t>Проект "</a:t>
-            </a:r>
-            <a:r>
-              <a:rPr lang="bg-BG" sz="1600" dirty="0">
-                <a:solidFill>
-                  <a:schemeClr val="bg1">
-                    <a:lumMod val="20000"/>
-                    <a:lumOff val="80000"/>
-                  </a:schemeClr>
-                </a:solidFill>
-                <a:effectLst/>
-                <a:latin typeface="Calibri" panose="020F0502020204030204" pitchFamily="34" charset="0"/>
-                <a:ea typeface="Calibri" panose="020F0502020204030204" pitchFamily="34" charset="0"/>
-                <a:cs typeface="Arial" panose="020B0604020202020204" pitchFamily="34" charset="0"/>
-                <a:hlinkClick r:id="rId3">
-                  <a:extLst>
-                    <a:ext uri="{A12FA001-AC4F-418D-AE19-62706E023703}">
-                      <ahyp:hlinkClr xmlns:ahyp="http://schemas.microsoft.com/office/drawing/2018/hyperlinkcolor" xmlns="" val="tx"/>
-                    </a:ext>
-                  </a:extLst>
-                </a:hlinkClick>
-              </a:rPr>
-              <a:t>Отворено учебно съдържание по програмиране и ИТ</a:t>
-            </a:r>
-            <a:r>
-              <a:rPr lang="bg-BG" sz="1600" dirty="0">
-                <a:solidFill>
-                  <a:schemeClr val="bg2"/>
-                </a:solidFill>
-                <a:effectLst/>
-                <a:latin typeface="Calibri" panose="020F0502020204030204" pitchFamily="34" charset="0"/>
-                <a:ea typeface="Calibri" panose="020F0502020204030204" pitchFamily="34" charset="0"/>
-                <a:cs typeface="Arial" panose="020B0604020202020204" pitchFamily="34" charset="0"/>
-              </a:rPr>
-              <a:t>", СофтУни Фондация (лиценз </a:t>
-            </a:r>
-            <a:r>
-              <a:rPr lang="en-US" sz="1600" dirty="0">
-                <a:solidFill>
-                  <a:schemeClr val="bg2"/>
-                </a:solidFill>
-                <a:effectLst/>
-                <a:latin typeface="Calibri" panose="020F0502020204030204" pitchFamily="34" charset="0"/>
-                <a:ea typeface="Calibri" panose="020F0502020204030204" pitchFamily="34" charset="0"/>
-                <a:cs typeface="Arial" panose="020B0604020202020204" pitchFamily="34" charset="0"/>
-              </a:rPr>
-              <a:t>CC-BY-NC-SA</a:t>
-            </a:r>
-            <a:r>
-              <a:rPr lang="bg-BG" sz="1600" dirty="0">
-                <a:solidFill>
-                  <a:schemeClr val="bg2"/>
-                </a:solidFill>
-                <a:effectLst/>
-                <a:latin typeface="Calibri" panose="020F0502020204030204" pitchFamily="34" charset="0"/>
-                <a:ea typeface="Calibri" panose="020F0502020204030204" pitchFamily="34" charset="0"/>
-                <a:cs typeface="Arial" panose="020B0604020202020204" pitchFamily="34" charset="0"/>
-              </a:rPr>
-              <a:t>)</a:t>
-            </a:r>
-            <a:endParaRPr lang="bg-BG" sz="2400" dirty="0">
-              <a:solidFill>
-                <a:schemeClr val="bg2"/>
-              </a:solidFill>
-              <a:effectLst/>
-              <a:latin typeface="Calibri" panose="020F0502020204030204" pitchFamily="34" charset="0"/>
-              <a:ea typeface="Calibri" panose="020F0502020204030204" pitchFamily="34" charset="0"/>
-              <a:cs typeface="Arial" panose="020B0604020202020204" pitchFamily="34" charset="0"/>
-            </a:endParaRPr>
-          </a:p>
-        </p:txBody>
-      </p:sp>
-    </p:spTree>
-    <p:extLst>
-      <p:ext uri="{BB962C8B-B14F-4D97-AF65-F5344CB8AC3E}">
-        <p14:creationId xmlns:p14="http://schemas.microsoft.com/office/powerpoint/2010/main" val="1472534970"/>
-      </p:ext>
-    </p:extLst>
-  </p:cSld>
-  <p:clrMapOvr>
-    <a:masterClrMapping/>
-  </p:clrMapOvr>
-  <mc:AlternateContent xmlns:mc="http://schemas.openxmlformats.org/markup-compatibility/2006" xmlns:p14="http://schemas.microsoft.com/office/powerpoint/2010/main">
-    <mc:Choice Requires="p14">
-      <p:transition spd="slow" p14:dur="2000" advClick="0" advTm="5000"/>
-    </mc:Choice>
-    <mc:Fallback xmlns="">
-      <p:transition spd="slow" advClick="0" advTm="5000"/>
-    </mc:Fallback>
-  </mc:AlternateContent>
-  <p:timing>
-    <p:tnLst>
-      <p:par>
-        <p:cTn id="1" dur="indefinite" restart="never" nodeType="tmRoot"/>
-      </p:par>
-    </p:tnLst>
-  </p:timing>
-</p:sld>
-</file>
-
-<file path=ppt/slides/slide17.xml><?xml version="1.0" encoding="utf-8"?>
-<p:sld xmlns:a="http://schemas.openxmlformats.org/drawingml/2006/main" xmlns:r="http://schemas.openxmlformats.org/officeDocument/2006/relationships" xmlns:p="http://schemas.openxmlformats.org/presentationml/2006/main">
-  <p:cSld>
-    <p:spTree>
-      <p:nvGrpSpPr>
-        <p:cNvPr id="1" name=""/>
-        <p:cNvGrpSpPr/>
-        <p:nvPr/>
-      </p:nvGrpSpPr>
-      <p:grpSpPr>
-        <a:xfrm>
-          <a:off x="0" y="0"/>
-          <a:ext cx="0" cy="0"/>
-          <a:chOff x="0" y="0"/>
-          <a:chExt cx="0" cy="0"/>
-        </a:xfrm>
-      </p:grpSpPr>
-      <p:sp>
-        <p:nvSpPr>
-          <p:cNvPr id="5" name="Slide Number">
-            <a:extLst>
-              <a:ext uri="{FF2B5EF4-FFF2-40B4-BE49-F238E27FC236}">
-                <a16:creationId xmlns:a16="http://schemas.microsoft.com/office/drawing/2014/main" id="{F48C3C93-90A1-4D31-BEA6-B54D1106CE31}"/>
-              </a:ext>
-            </a:extLst>
-          </p:cNvPr>
-          <p:cNvSpPr>
-            <a:spLocks noGrp="1"/>
-          </p:cNvSpPr>
-          <p:nvPr>
-            <p:ph type="sldNum" sz="quarter" idx="5"/>
-          </p:nvPr>
-        </p:nvSpPr>
-        <p:spPr>
-          <a:xfrm>
-            <a:off x="11753030" y="6507000"/>
-            <a:ext cx="367414" cy="297000"/>
-          </a:xfrm>
-          <a:prstGeom prst="rect">
-            <a:avLst/>
-          </a:prstGeom>
-        </p:spPr>
-        <p:txBody>
-          <a:bodyPr vert="horz" lIns="91440" tIns="45720" rIns="91440" bIns="45720" rtlCol="0" anchor="b"/>
-          <a:lstStyle>
-            <a:lvl1pPr algn="r">
-              <a:defRPr sz="1000"/>
-            </a:lvl1pPr>
-          </a:lstStyle>
-          <a:p>
-            <a:fld id="{2BF067CD-8E6B-4360-9AA8-C5DF2A48A6D1}" type="slidenum">
-              <a:rPr lang="en-US" smtClean="0"/>
-              <a:pPr/>
-              <a:t>17</a:t>
-            </a:fld>
-            <a:endParaRPr lang="en-US" dirty="0"/>
-          </a:p>
-        </p:txBody>
-      </p:sp>
-      <p:sp>
-        <p:nvSpPr>
-          <p:cNvPr id="2" name="Slide Body">
-            <a:extLst>
-              <a:ext uri="{FF2B5EF4-FFF2-40B4-BE49-F238E27FC236}">
-                <a16:creationId xmlns:a16="http://schemas.microsoft.com/office/drawing/2014/main" id="{980F49B1-E4BE-4389-A747-7AB9B71AD920}"/>
-              </a:ext>
-            </a:extLst>
-          </p:cNvPr>
-          <p:cNvSpPr>
-            <a:spLocks noGrp="1"/>
-          </p:cNvSpPr>
-          <p:nvPr>
-            <p:ph type="body" sz="quarter" idx="10"/>
-          </p:nvPr>
-        </p:nvSpPr>
-        <p:spPr>
-          <a:xfrm>
-            <a:off x="190402" y="1269001"/>
-            <a:ext cx="9865598" cy="2474999"/>
-          </a:xfrm>
-        </p:spPr>
-        <p:txBody>
-          <a:bodyPr>
-            <a:normAutofit/>
-          </a:bodyPr>
-          <a:lstStyle/>
-          <a:p>
-            <a:pPr>
-              <a:lnSpc>
-                <a:spcPct val="120000"/>
-              </a:lnSpc>
-            </a:pPr>
-            <a:r>
-              <a:rPr lang="bg-BG" sz="3200" dirty="0"/>
-              <a:t>Този курс</a:t>
-            </a:r>
-            <a:r>
-              <a:rPr lang="en-US" sz="3200" dirty="0"/>
-              <a:t> (</a:t>
-            </a:r>
-            <a:r>
-              <a:rPr lang="bg-BG" sz="3200" dirty="0"/>
-              <a:t>презентации, примери, демонстрационен код, упражнения, домашни, видео и други активи</a:t>
-            </a:r>
-            <a:r>
-              <a:rPr lang="en-US" sz="3200" dirty="0"/>
-              <a:t>) </a:t>
-            </a:r>
-            <a:r>
-              <a:rPr lang="bg-BG" sz="3200" dirty="0"/>
-              <a:t>представлява</a:t>
-            </a:r>
-            <a:r>
-              <a:rPr lang="en-US" sz="3200" dirty="0"/>
-              <a:t> </a:t>
-            </a:r>
-            <a:r>
-              <a:rPr lang="bg-BG" sz="3200" b="1" dirty="0"/>
-              <a:t>свободно учебно съдържание </a:t>
-            </a:r>
-            <a:r>
-              <a:rPr lang="bg-BG" sz="3200" dirty="0"/>
-              <a:t>и се разпространява под свободен лиценз </a:t>
-            </a:r>
-            <a:r>
-              <a:rPr lang="en-US" sz="3200" b="1" dirty="0"/>
-              <a:t>CC-BY-NC-SA</a:t>
-            </a:r>
-            <a:endParaRPr lang="bg-BG" sz="3200" dirty="0"/>
-          </a:p>
-        </p:txBody>
-      </p:sp>
-      <p:pic>
-        <p:nvPicPr>
-          <p:cNvPr id="6" name="Picture License" descr="License">
-            <a:extLst>
-              <a:ext uri="{FF2B5EF4-FFF2-40B4-BE49-F238E27FC236}">
-                <a16:creationId xmlns:a16="http://schemas.microsoft.com/office/drawing/2014/main" id="{82BA520F-A037-4E01-AA18-27D9F1E930A6}"/>
-              </a:ext>
-            </a:extLst>
-          </p:cNvPr>
-          <p:cNvPicPr>
-            <a:picLocks noChangeAspect="1"/>
-          </p:cNvPicPr>
-          <p:nvPr/>
-        </p:nvPicPr>
-        <p:blipFill>
-          <a:blip r:embed="rId3">
-            <a:clrChange>
-              <a:clrFrom>
-                <a:srgbClr val="FFFFFF"/>
-              </a:clrFrom>
-              <a:clrTo>
-                <a:srgbClr val="FFFFFF">
-                  <a:alpha val="0"/>
-                </a:srgbClr>
-              </a:clrTo>
-            </a:clrChange>
-          </a:blip>
-          <a:stretch>
-            <a:fillRect/>
-          </a:stretch>
-        </p:blipFill>
-        <p:spPr>
-          <a:xfrm>
-            <a:off x="10226175" y="1440120"/>
-            <a:ext cx="1198986" cy="1268880"/>
-          </a:xfrm>
-          <a:prstGeom prst="rect">
-            <a:avLst/>
-          </a:prstGeom>
-        </p:spPr>
-      </p:pic>
-      <p:sp>
-        <p:nvSpPr>
-          <p:cNvPr id="3" name="Slide Title">
-            <a:extLst>
-              <a:ext uri="{FF2B5EF4-FFF2-40B4-BE49-F238E27FC236}">
-                <a16:creationId xmlns:a16="http://schemas.microsoft.com/office/drawing/2014/main" id="{E5F1FB41-80C3-4816-BC47-CCC50632E6E8}"/>
-              </a:ext>
-            </a:extLst>
-          </p:cNvPr>
-          <p:cNvSpPr>
-            <a:spLocks noGrp="1"/>
-          </p:cNvSpPr>
-          <p:nvPr>
-            <p:ph type="title"/>
-          </p:nvPr>
-        </p:nvSpPr>
-        <p:spPr/>
-        <p:txBody>
-          <a:bodyPr/>
-          <a:lstStyle/>
-          <a:p>
-            <a:r>
-              <a:rPr lang="bg-BG" dirty="0"/>
-              <a:t>Лиценз</a:t>
-            </a:r>
-          </a:p>
-        </p:txBody>
-      </p:sp>
-      <p:sp>
-        <p:nvSpPr>
-          <p:cNvPr id="11" name="TextBox 10">
-            <a:extLst>
-              <a:ext uri="{FF2B5EF4-FFF2-40B4-BE49-F238E27FC236}">
-                <a16:creationId xmlns:a16="http://schemas.microsoft.com/office/drawing/2014/main" id="{0C18DF19-B750-4C88-975B-661A6BF61F5E}"/>
-              </a:ext>
-            </a:extLst>
-          </p:cNvPr>
-          <p:cNvSpPr txBox="1"/>
-          <p:nvPr/>
-        </p:nvSpPr>
-        <p:spPr>
-          <a:xfrm>
-            <a:off x="190401" y="3927519"/>
-            <a:ext cx="11710599" cy="1979644"/>
-          </a:xfrm>
-          <a:prstGeom prst="rect">
-            <a:avLst/>
-          </a:prstGeom>
-          <a:noFill/>
-          <a:ln w="12700">
-            <a:noFill/>
-          </a:ln>
-        </p:spPr>
-        <p:txBody>
-          <a:bodyPr wrap="square">
-            <a:spAutoFit/>
-          </a:bodyPr>
-          <a:lstStyle/>
-          <a:p>
-            <a:pPr marL="360363" indent="-360363" defTabSz="1218438">
-              <a:lnSpc>
-                <a:spcPct val="120000"/>
-              </a:lnSpc>
-              <a:spcBef>
-                <a:spcPts val="600"/>
-              </a:spcBef>
-              <a:spcAft>
-                <a:spcPts val="600"/>
-              </a:spcAft>
-              <a:buFont typeface="Wingdings" panose="05000000000000000000" pitchFamily="2" charset="2"/>
-              <a:buChar char="§"/>
-              <a:defRPr/>
-            </a:pPr>
-            <a:r>
-              <a:rPr lang="bg-BG" sz="3200" dirty="0"/>
-              <a:t>Проект "</a:t>
-            </a:r>
-            <a:r>
-              <a:rPr lang="bg-BG" sz="3200" b="1" dirty="0"/>
-              <a:t>Отворено учебно съдържание по програмиране и ИТ</a:t>
-            </a:r>
-            <a:r>
-              <a:rPr lang="bg-BG" sz="3200" dirty="0"/>
-              <a:t>" към Фондация "Софтуерен университет"</a:t>
-            </a:r>
-            <a:r>
-              <a:rPr lang="en-US" sz="3200" dirty="0"/>
-              <a:t>:</a:t>
-            </a:r>
-            <a:endParaRPr lang="bg-BG" sz="3200" dirty="0"/>
-          </a:p>
-          <a:p>
-            <a:pPr marL="817563" lvl="1" indent="-360363" defTabSz="1218438">
-              <a:lnSpc>
-                <a:spcPct val="120000"/>
-              </a:lnSpc>
-              <a:spcBef>
-                <a:spcPts val="600"/>
-              </a:spcBef>
-              <a:spcAft>
-                <a:spcPts val="600"/>
-              </a:spcAft>
-              <a:buFont typeface="Wingdings" panose="05000000000000000000" pitchFamily="2" charset="2"/>
-              <a:buChar char="§"/>
-              <a:defRPr/>
-            </a:pPr>
-            <a:r>
-              <a:rPr kumimoji="0" lang="en-US" sz="3200" b="0" i="0" u="none" strike="noStrike" kern="1200" cap="none" spc="0" normalizeH="0" baseline="0" noProof="0" dirty="0">
-                <a:ln>
-                  <a:noFill/>
-                </a:ln>
-                <a:solidFill>
-                  <a:srgbClr val="234465"/>
-                </a:solidFill>
-                <a:effectLst/>
-                <a:uLnTx/>
-                <a:uFillTx/>
-                <a:latin typeface="Calibri"/>
-                <a:ea typeface="+mn-ea"/>
-                <a:cs typeface="+mn-cs"/>
-                <a:hlinkClick r:id="rId4"/>
-              </a:rPr>
-              <a:t>https://github.com/BG-IT-Edu</a:t>
-            </a:r>
-            <a:endParaRPr kumimoji="0" lang="bg-BG" sz="3200" b="0" i="0" u="none" strike="noStrike" kern="1200" cap="none" spc="0" normalizeH="0" baseline="0" noProof="0" dirty="0">
-              <a:ln>
-                <a:noFill/>
-              </a:ln>
-              <a:solidFill>
-                <a:srgbClr val="234465"/>
-              </a:solidFill>
-              <a:effectLst/>
-              <a:uLnTx/>
-              <a:uFillTx/>
-              <a:latin typeface="Calibri"/>
-              <a:ea typeface="+mn-ea"/>
-              <a:cs typeface="+mn-cs"/>
-            </a:endParaRPr>
-          </a:p>
-        </p:txBody>
-      </p:sp>
-      <p:pic>
-        <p:nvPicPr>
-          <p:cNvPr id="7" name="Picture 6" title="CC-BY-NC-SA License">
-            <a:hlinkClick r:id="rId5" tooltip="This work is licensed under the &quot;Creative Commons Attribution-NonCommercial-ShareAlike 4.0 International&quot; license"/>
-            <a:extLst>
-              <a:ext uri="{FF2B5EF4-FFF2-40B4-BE49-F238E27FC236}">
-                <a16:creationId xmlns:a16="http://schemas.microsoft.com/office/drawing/2014/main" id="{F6C77C47-F7D8-A176-5C69-7FDE5C7E8003}"/>
-              </a:ext>
-            </a:extLst>
-          </p:cNvPr>
-          <p:cNvPicPr>
-            <a:picLocks noChangeAspect="1" noChangeArrowheads="1"/>
-          </p:cNvPicPr>
-          <p:nvPr/>
-        </p:nvPicPr>
-        <p:blipFill>
-          <a:blip r:embed="rId6">
-            <a:extLst>
-              <a:ext uri="{28A0092B-C50C-407E-A947-70E740481C1C}">
-                <a14:useLocalDpi xmlns:a14="http://schemas.microsoft.com/office/drawing/2010/main"/>
-              </a:ext>
-            </a:extLst>
-          </a:blip>
-          <a:srcRect/>
-          <a:stretch>
-            <a:fillRect/>
-          </a:stretch>
-        </p:blipFill>
-        <p:spPr bwMode="auto">
-          <a:xfrm>
-            <a:off x="9831000" y="2908593"/>
-            <a:ext cx="1989336" cy="696022"/>
-          </a:xfrm>
-          <a:prstGeom prst="roundRect">
-            <a:avLst>
-              <a:gd name="adj" fmla="val 3940"/>
-            </a:avLst>
-          </a:prstGeom>
-          <a:solidFill>
-            <a:srgbClr val="231F20">
-              <a:alpha val="50000"/>
-            </a:srgbClr>
-          </a:solidFill>
-          <a:ln>
-            <a:noFill/>
-          </a:ln>
-        </p:spPr>
-      </p:pic>
-    </p:spTree>
-    <p:extLst>
-      <p:ext uri="{BB962C8B-B14F-4D97-AF65-F5344CB8AC3E}">
-        <p14:creationId xmlns:p14="http://schemas.microsoft.com/office/powerpoint/2010/main" val="3879276042"/>
-      </p:ext>
-    </p:extLst>
-  </p:cSld>
-  <p:clrMapOvr>
-    <a:masterClrMapping/>
-  </p:clrMapOvr>
-  <mc:AlternateContent xmlns:mc="http://schemas.openxmlformats.org/markup-compatibility/2006" xmlns:p14="http://schemas.microsoft.com/office/powerpoint/2010/main">
-    <mc:Choice Requires="p14">
-      <p:transition spd="slow" p14:dur="2000" advClick="0" advTm="5000"/>
-    </mc:Choice>
-    <mc:Fallback xmlns="">
-      <p:transition spd="slow" advClick="0" advTm="5000"/>
-    </mc:Fallback>
-  </mc:AlternateContent>
 </p:sld>
 </file>
 
@@ -11940,25 +12432,73 @@
           <a:p>
             <a:r>
               <a:rPr lang="bg-BG" dirty="0" smtClean="0"/>
-              <a:t>Електронни таблици</a:t>
+              <a:t>͏</a:t>
+            </a:r>
+            <a:r>
+              <a:rPr lang="bg-BG" b="1" dirty="0" smtClean="0"/>
+              <a:t>Електронни </a:t>
+            </a:r>
+            <a:r>
+              <a:rPr lang="bg-BG" b="1" dirty="0" smtClean="0"/>
+              <a:t>таблици</a:t>
             </a:r>
           </a:p>
           <a:p>
             <a:r>
               <a:rPr lang="bg-BG" dirty="0" smtClean="0"/>
-              <a:t>Елементи на електронна таблица</a:t>
+              <a:t>͏</a:t>
+            </a:r>
+            <a:r>
+              <a:rPr lang="bg-BG" b="1" dirty="0" smtClean="0"/>
+              <a:t>Елементи</a:t>
+            </a:r>
+            <a:r>
+              <a:rPr lang="bg-BG" dirty="0" smtClean="0"/>
+              <a:t> </a:t>
+            </a:r>
+            <a:r>
+              <a:rPr lang="bg-BG" dirty="0" smtClean="0"/>
+              <a:t>на електронна таблица</a:t>
             </a:r>
           </a:p>
           <a:p>
             <a:r>
               <a:rPr lang="en-US" dirty="0" smtClean="0"/>
-              <a:t>Microsoft Excel</a:t>
+              <a:t>͏</a:t>
+            </a:r>
+            <a:r>
+              <a:rPr lang="en-US" b="1" dirty="0" smtClean="0"/>
+              <a:t>Microsoft </a:t>
+            </a:r>
+            <a:r>
+              <a:rPr lang="en-US" b="1" dirty="0" smtClean="0"/>
+              <a:t>Excel</a:t>
             </a:r>
           </a:p>
           <a:p>
             <a:r>
               <a:rPr lang="bg-BG" dirty="0" smtClean="0"/>
-              <a:t>Редактиране и въвеждане на данни</a:t>
+              <a:t>͏</a:t>
+            </a:r>
+            <a:r>
+              <a:rPr lang="bg-BG" b="1" dirty="0" smtClean="0"/>
+              <a:t>Редактиране</a:t>
+            </a:r>
+            <a:r>
+              <a:rPr lang="bg-BG" dirty="0" smtClean="0"/>
+              <a:t> </a:t>
+            </a:r>
+            <a:r>
+              <a:rPr lang="bg-BG" dirty="0" smtClean="0"/>
+              <a:t>и </a:t>
+            </a:r>
+            <a:r>
+              <a:rPr lang="bg-BG" b="1" dirty="0" smtClean="0"/>
+              <a:t>въвеждане</a:t>
+            </a:r>
+            <a:r>
+              <a:rPr lang="bg-BG" dirty="0" smtClean="0"/>
+              <a:t> на данни</a:t>
             </a:r>
             <a:endParaRPr lang="en-US" dirty="0"/>
           </a:p>
@@ -12239,6 +12779,586 @@
 </p:sld>
 </file>
 
+<file path=ppt/slides/slide20.xml><?xml version="1.0" encoding="utf-8"?>
+<p:sld xmlns:a="http://schemas.openxmlformats.org/drawingml/2006/main" xmlns:r="http://schemas.openxmlformats.org/officeDocument/2006/relationships" xmlns:p="http://schemas.openxmlformats.org/presentationml/2006/main">
+  <p:cSld>
+    <p:spTree>
+      <p:nvGrpSpPr>
+        <p:cNvPr id="1" name=""/>
+        <p:cNvGrpSpPr/>
+        <p:nvPr/>
+      </p:nvGrpSpPr>
+      <p:grpSpPr>
+        <a:xfrm>
+          <a:off x="0" y="0"/>
+          <a:ext cx="0" cy="0"/>
+          <a:chOff x="0" y="0"/>
+          <a:chExt cx="0" cy="0"/>
+        </a:xfrm>
+      </p:grpSpPr>
+      <p:sp>
+        <p:nvSpPr>
+          <p:cNvPr id="5" name="Slide Title">
+            <a:extLst>
+              <a:ext uri="{FF2B5EF4-FFF2-40B4-BE49-F238E27FC236}">
+                <a16:creationId xmlns:a16="http://schemas.microsoft.com/office/drawing/2014/main" id="{FA0703FC-0F8F-4C80-A615-E4B381EC0E0C}"/>
+              </a:ext>
+            </a:extLst>
+          </p:cNvPr>
+          <p:cNvSpPr>
+            <a:spLocks noGrp="1"/>
+          </p:cNvSpPr>
+          <p:nvPr>
+            <p:ph type="title"/>
+          </p:nvPr>
+        </p:nvSpPr>
+        <p:spPr/>
+        <p:txBody>
+          <a:bodyPr/>
+          <a:lstStyle/>
+          <a:p>
+            <a:r>
+              <a:rPr lang="bg-BG" dirty="0"/>
+              <a:t>Въпроси</a:t>
+            </a:r>
+            <a:r>
+              <a:rPr lang="en-US" dirty="0"/>
+              <a:t>?</a:t>
+            </a:r>
+          </a:p>
+        </p:txBody>
+      </p:sp>
+      <p:sp>
+        <p:nvSpPr>
+          <p:cNvPr id="2" name="Rectangle Bottom Copyright">
+            <a:extLst>
+              <a:ext uri="{FF2B5EF4-FFF2-40B4-BE49-F238E27FC236}">
+                <a16:creationId xmlns:a16="http://schemas.microsoft.com/office/drawing/2014/main" id="{664812A4-2991-44D1-BFE9-32E55AADF8A5}"/>
+              </a:ext>
+            </a:extLst>
+          </p:cNvPr>
+          <p:cNvSpPr/>
+          <p:nvPr/>
+        </p:nvSpPr>
+        <p:spPr>
+          <a:xfrm>
+            <a:off x="111000" y="6454758"/>
+            <a:ext cx="11970000" cy="304242"/>
+          </a:xfrm>
+          <a:prstGeom prst="rect">
+            <a:avLst/>
+          </a:prstGeom>
+        </p:spPr>
+        <p:txBody>
+          <a:bodyPr wrap="square">
+            <a:noAutofit/>
+          </a:bodyPr>
+          <a:lstStyle/>
+          <a:p>
+            <a:pPr algn="ctr">
+              <a:lnSpc>
+                <a:spcPct val="100000"/>
+              </a:lnSpc>
+              <a:spcBef>
+                <a:spcPts val="0"/>
+              </a:spcBef>
+              <a:spcAft>
+                <a:spcPts val="0"/>
+              </a:spcAft>
+            </a:pPr>
+            <a:r>
+              <a:rPr lang="bg-BG" sz="1600" dirty="0">
+                <a:solidFill>
+                  <a:schemeClr val="bg2"/>
+                </a:solidFill>
+                <a:effectLst/>
+                <a:latin typeface="Calibri" panose="020F0502020204030204" pitchFamily="34" charset="0"/>
+                <a:ea typeface="Calibri" panose="020F0502020204030204" pitchFamily="34" charset="0"/>
+                <a:cs typeface="Arial" panose="020B0604020202020204" pitchFamily="34" charset="0"/>
+              </a:rPr>
+              <a:t>Проект "</a:t>
+            </a:r>
+            <a:r>
+              <a:rPr lang="bg-BG" sz="1600" dirty="0">
+                <a:solidFill>
+                  <a:schemeClr val="bg1">
+                    <a:lumMod val="20000"/>
+                    <a:lumOff val="80000"/>
+                  </a:schemeClr>
+                </a:solidFill>
+                <a:effectLst/>
+                <a:latin typeface="Calibri" panose="020F0502020204030204" pitchFamily="34" charset="0"/>
+                <a:ea typeface="Calibri" panose="020F0502020204030204" pitchFamily="34" charset="0"/>
+                <a:cs typeface="Arial" panose="020B0604020202020204" pitchFamily="34" charset="0"/>
+                <a:hlinkClick r:id="rId3">
+                  <a:extLst>
+                    <a:ext uri="{A12FA001-AC4F-418D-AE19-62706E023703}">
+                      <ahyp:hlinkClr xmlns="" xmlns:ahyp="http://schemas.microsoft.com/office/drawing/2018/hyperlinkcolor" val="tx"/>
+                    </a:ext>
+                  </a:extLst>
+                </a:hlinkClick>
+              </a:rPr>
+              <a:t>Отворено учебно съдържание по програмиране и ИТ</a:t>
+            </a:r>
+            <a:r>
+              <a:rPr lang="bg-BG" sz="1600" dirty="0">
+                <a:solidFill>
+                  <a:schemeClr val="bg2"/>
+                </a:solidFill>
+                <a:effectLst/>
+                <a:latin typeface="Calibri" panose="020F0502020204030204" pitchFamily="34" charset="0"/>
+                <a:ea typeface="Calibri" panose="020F0502020204030204" pitchFamily="34" charset="0"/>
+                <a:cs typeface="Arial" panose="020B0604020202020204" pitchFamily="34" charset="0"/>
+              </a:rPr>
+              <a:t>", СофтУни Фондация (лиценз </a:t>
+            </a:r>
+            <a:r>
+              <a:rPr lang="en-US" sz="1600" dirty="0">
+                <a:solidFill>
+                  <a:schemeClr val="bg2"/>
+                </a:solidFill>
+                <a:effectLst/>
+                <a:latin typeface="Calibri" panose="020F0502020204030204" pitchFamily="34" charset="0"/>
+                <a:ea typeface="Calibri" panose="020F0502020204030204" pitchFamily="34" charset="0"/>
+                <a:cs typeface="Arial" panose="020B0604020202020204" pitchFamily="34" charset="0"/>
+              </a:rPr>
+              <a:t>CC-BY-NC-SA</a:t>
+            </a:r>
+            <a:r>
+              <a:rPr lang="bg-BG" sz="1600" dirty="0">
+                <a:solidFill>
+                  <a:schemeClr val="bg2"/>
+                </a:solidFill>
+                <a:effectLst/>
+                <a:latin typeface="Calibri" panose="020F0502020204030204" pitchFamily="34" charset="0"/>
+                <a:ea typeface="Calibri" panose="020F0502020204030204" pitchFamily="34" charset="0"/>
+                <a:cs typeface="Arial" panose="020B0604020202020204" pitchFamily="34" charset="0"/>
+              </a:rPr>
+              <a:t>)</a:t>
+            </a:r>
+            <a:endParaRPr lang="bg-BG" sz="2400" dirty="0">
+              <a:solidFill>
+                <a:schemeClr val="bg2"/>
+              </a:solidFill>
+              <a:effectLst/>
+              <a:latin typeface="Calibri" panose="020F0502020204030204" pitchFamily="34" charset="0"/>
+              <a:ea typeface="Calibri" panose="020F0502020204030204" pitchFamily="34" charset="0"/>
+              <a:cs typeface="Arial" panose="020B0604020202020204" pitchFamily="34" charset="0"/>
+            </a:endParaRPr>
+          </a:p>
+        </p:txBody>
+      </p:sp>
+    </p:spTree>
+    <p:extLst>
+      <p:ext uri="{BB962C8B-B14F-4D97-AF65-F5344CB8AC3E}">
+        <p14:creationId xmlns:p14="http://schemas.microsoft.com/office/powerpoint/2010/main" val="1472534970"/>
+      </p:ext>
+    </p:extLst>
+  </p:cSld>
+  <p:clrMapOvr>
+    <a:masterClrMapping/>
+  </p:clrMapOvr>
+  <mc:AlternateContent xmlns:mc="http://schemas.openxmlformats.org/markup-compatibility/2006" xmlns:p14="http://schemas.microsoft.com/office/powerpoint/2010/main">
+    <mc:Choice Requires="p14">
+      <p:transition spd="slow" p14:dur="2000" advClick="0" advTm="5000"/>
+    </mc:Choice>
+    <mc:Fallback xmlns="">
+      <p:transition spd="slow" advClick="0" advTm="5000"/>
+    </mc:Fallback>
+  </mc:AlternateContent>
+  <p:timing>
+    <p:tnLst>
+      <p:par>
+        <p:cTn id="1" dur="indefinite" restart="never" nodeType="tmRoot"/>
+      </p:par>
+    </p:tnLst>
+  </p:timing>
+</p:sld>
+</file>
+
+<file path=ppt/slides/slide21.xml><?xml version="1.0" encoding="utf-8"?>
+<p:sld xmlns:a="http://schemas.openxmlformats.org/drawingml/2006/main" xmlns:r="http://schemas.openxmlformats.org/officeDocument/2006/relationships" xmlns:p="http://schemas.openxmlformats.org/presentationml/2006/main">
+  <p:cSld>
+    <p:spTree>
+      <p:nvGrpSpPr>
+        <p:cNvPr id="1" name=""/>
+        <p:cNvGrpSpPr/>
+        <p:nvPr/>
+      </p:nvGrpSpPr>
+      <p:grpSpPr>
+        <a:xfrm>
+          <a:off x="0" y="0"/>
+          <a:ext cx="0" cy="0"/>
+          <a:chOff x="0" y="0"/>
+          <a:chExt cx="0" cy="0"/>
+        </a:xfrm>
+      </p:grpSpPr>
+      <p:sp>
+        <p:nvSpPr>
+          <p:cNvPr id="5" name="Slide Number">
+            <a:extLst>
+              <a:ext uri="{FF2B5EF4-FFF2-40B4-BE49-F238E27FC236}">
+                <a16:creationId xmlns:a16="http://schemas.microsoft.com/office/drawing/2014/main" id="{F48C3C93-90A1-4D31-BEA6-B54D1106CE31}"/>
+              </a:ext>
+            </a:extLst>
+          </p:cNvPr>
+          <p:cNvSpPr>
+            <a:spLocks noGrp="1"/>
+          </p:cNvSpPr>
+          <p:nvPr>
+            <p:ph type="sldNum" sz="quarter" idx="5"/>
+          </p:nvPr>
+        </p:nvSpPr>
+        <p:spPr>
+          <a:xfrm>
+            <a:off x="11753030" y="6507000"/>
+            <a:ext cx="367414" cy="297000"/>
+          </a:xfrm>
+          <a:prstGeom prst="rect">
+            <a:avLst/>
+          </a:prstGeom>
+        </p:spPr>
+        <p:txBody>
+          <a:bodyPr vert="horz" lIns="91440" tIns="45720" rIns="91440" bIns="45720" rtlCol="0" anchor="b"/>
+          <a:lstStyle>
+            <a:lvl1pPr algn="r">
+              <a:defRPr sz="1000"/>
+            </a:lvl1pPr>
+          </a:lstStyle>
+          <a:p>
+            <a:fld id="{2BF067CD-8E6B-4360-9AA8-C5DF2A48A6D1}" type="slidenum">
+              <a:rPr lang="en-US" smtClean="0"/>
+              <a:pPr/>
+              <a:t>21</a:t>
+            </a:fld>
+            <a:endParaRPr lang="en-US" dirty="0"/>
+          </a:p>
+        </p:txBody>
+      </p:sp>
+      <p:sp>
+        <p:nvSpPr>
+          <p:cNvPr id="2" name="Slide Body">
+            <a:extLst>
+              <a:ext uri="{FF2B5EF4-FFF2-40B4-BE49-F238E27FC236}">
+                <a16:creationId xmlns:a16="http://schemas.microsoft.com/office/drawing/2014/main" id="{980F49B1-E4BE-4389-A747-7AB9B71AD920}"/>
+              </a:ext>
+            </a:extLst>
+          </p:cNvPr>
+          <p:cNvSpPr>
+            <a:spLocks noGrp="1"/>
+          </p:cNvSpPr>
+          <p:nvPr>
+            <p:ph type="body" sz="quarter" idx="10"/>
+          </p:nvPr>
+        </p:nvSpPr>
+        <p:spPr>
+          <a:xfrm>
+            <a:off x="190402" y="1269001"/>
+            <a:ext cx="9865598" cy="2474999"/>
+          </a:xfrm>
+        </p:spPr>
+        <p:txBody>
+          <a:bodyPr>
+            <a:normAutofit/>
+          </a:bodyPr>
+          <a:lstStyle/>
+          <a:p>
+            <a:pPr>
+              <a:lnSpc>
+                <a:spcPct val="120000"/>
+              </a:lnSpc>
+            </a:pPr>
+            <a:r>
+              <a:rPr lang="bg-BG" sz="3200" dirty="0"/>
+              <a:t>Този курс</a:t>
+            </a:r>
+            <a:r>
+              <a:rPr lang="en-US" sz="3200" dirty="0"/>
+              <a:t> (</a:t>
+            </a:r>
+            <a:r>
+              <a:rPr lang="bg-BG" sz="3200" dirty="0"/>
+              <a:t>презентации, примери, демонстрационен код, упражнения, домашни, видео и други активи</a:t>
+            </a:r>
+            <a:r>
+              <a:rPr lang="en-US" sz="3200" dirty="0"/>
+              <a:t>) </a:t>
+            </a:r>
+            <a:r>
+              <a:rPr lang="bg-BG" sz="3200" dirty="0"/>
+              <a:t>представлява</a:t>
+            </a:r>
+            <a:r>
+              <a:rPr lang="en-US" sz="3200" dirty="0"/>
+              <a:t> </a:t>
+            </a:r>
+            <a:r>
+              <a:rPr lang="bg-BG" sz="3200" b="1" dirty="0"/>
+              <a:t>свободно учебно съдържание </a:t>
+            </a:r>
+            <a:r>
+              <a:rPr lang="bg-BG" sz="3200" dirty="0"/>
+              <a:t>и се разпространява под свободен лиценз </a:t>
+            </a:r>
+            <a:r>
+              <a:rPr lang="en-US" sz="3200" b="1" dirty="0"/>
+              <a:t>CC-BY-NC-SA</a:t>
+            </a:r>
+            <a:endParaRPr lang="bg-BG" sz="3200" dirty="0"/>
+          </a:p>
+        </p:txBody>
+      </p:sp>
+      <p:pic>
+        <p:nvPicPr>
+          <p:cNvPr id="6" name="Picture License" descr="License">
+            <a:extLst>
+              <a:ext uri="{FF2B5EF4-FFF2-40B4-BE49-F238E27FC236}">
+                <a16:creationId xmlns:a16="http://schemas.microsoft.com/office/drawing/2014/main" id="{82BA520F-A037-4E01-AA18-27D9F1E930A6}"/>
+              </a:ext>
+            </a:extLst>
+          </p:cNvPr>
+          <p:cNvPicPr>
+            <a:picLocks noChangeAspect="1"/>
+          </p:cNvPicPr>
+          <p:nvPr/>
+        </p:nvPicPr>
+        <p:blipFill>
+          <a:blip r:embed="rId3">
+            <a:clrChange>
+              <a:clrFrom>
+                <a:srgbClr val="FFFFFF"/>
+              </a:clrFrom>
+              <a:clrTo>
+                <a:srgbClr val="FFFFFF">
+                  <a:alpha val="0"/>
+                </a:srgbClr>
+              </a:clrTo>
+            </a:clrChange>
+          </a:blip>
+          <a:stretch>
+            <a:fillRect/>
+          </a:stretch>
+        </p:blipFill>
+        <p:spPr>
+          <a:xfrm>
+            <a:off x="10226175" y="1440120"/>
+            <a:ext cx="1198986" cy="1268880"/>
+          </a:xfrm>
+          <a:prstGeom prst="rect">
+            <a:avLst/>
+          </a:prstGeom>
+        </p:spPr>
+      </p:pic>
+      <p:sp>
+        <p:nvSpPr>
+          <p:cNvPr id="3" name="Slide Title">
+            <a:extLst>
+              <a:ext uri="{FF2B5EF4-FFF2-40B4-BE49-F238E27FC236}">
+                <a16:creationId xmlns:a16="http://schemas.microsoft.com/office/drawing/2014/main" id="{E5F1FB41-80C3-4816-BC47-CCC50632E6E8}"/>
+              </a:ext>
+            </a:extLst>
+          </p:cNvPr>
+          <p:cNvSpPr>
+            <a:spLocks noGrp="1"/>
+          </p:cNvSpPr>
+          <p:nvPr>
+            <p:ph type="title"/>
+          </p:nvPr>
+        </p:nvSpPr>
+        <p:spPr/>
+        <p:txBody>
+          <a:bodyPr/>
+          <a:lstStyle/>
+          <a:p>
+            <a:r>
+              <a:rPr lang="bg-BG" dirty="0"/>
+              <a:t>Лиценз</a:t>
+            </a:r>
+          </a:p>
+        </p:txBody>
+      </p:sp>
+      <p:sp>
+        <p:nvSpPr>
+          <p:cNvPr id="11" name="TextBox 10">
+            <a:extLst>
+              <a:ext uri="{FF2B5EF4-FFF2-40B4-BE49-F238E27FC236}">
+                <a16:creationId xmlns:a16="http://schemas.microsoft.com/office/drawing/2014/main" id="{0C18DF19-B750-4C88-975B-661A6BF61F5E}"/>
+              </a:ext>
+            </a:extLst>
+          </p:cNvPr>
+          <p:cNvSpPr txBox="1"/>
+          <p:nvPr/>
+        </p:nvSpPr>
+        <p:spPr>
+          <a:xfrm>
+            <a:off x="190401" y="3927519"/>
+            <a:ext cx="11710599" cy="1979644"/>
+          </a:xfrm>
+          <a:prstGeom prst="rect">
+            <a:avLst/>
+          </a:prstGeom>
+          <a:noFill/>
+          <a:ln w="12700">
+            <a:noFill/>
+          </a:ln>
+        </p:spPr>
+        <p:txBody>
+          <a:bodyPr wrap="square">
+            <a:spAutoFit/>
+          </a:bodyPr>
+          <a:lstStyle/>
+          <a:p>
+            <a:pPr marL="360363" indent="-360363" defTabSz="1218438">
+              <a:lnSpc>
+                <a:spcPct val="120000"/>
+              </a:lnSpc>
+              <a:spcBef>
+                <a:spcPts val="600"/>
+              </a:spcBef>
+              <a:spcAft>
+                <a:spcPts val="600"/>
+              </a:spcAft>
+              <a:buFont typeface="Wingdings" panose="05000000000000000000" pitchFamily="2" charset="2"/>
+              <a:buChar char="§"/>
+              <a:defRPr/>
+            </a:pPr>
+            <a:r>
+              <a:rPr lang="bg-BG" sz="3200" dirty="0"/>
+              <a:t>Проект "</a:t>
+            </a:r>
+            <a:r>
+              <a:rPr lang="bg-BG" sz="3200" b="1" dirty="0"/>
+              <a:t>Отворено учебно съдържание по програмиране и ИТ</a:t>
+            </a:r>
+            <a:r>
+              <a:rPr lang="bg-BG" sz="3200" dirty="0"/>
+              <a:t>" към Фондация "Софтуерен университет"</a:t>
+            </a:r>
+            <a:r>
+              <a:rPr lang="en-US" sz="3200" dirty="0"/>
+              <a:t>:</a:t>
+            </a:r>
+            <a:endParaRPr lang="bg-BG" sz="3200" dirty="0"/>
+          </a:p>
+          <a:p>
+            <a:pPr marL="817563" lvl="1" indent="-360363" defTabSz="1218438">
+              <a:lnSpc>
+                <a:spcPct val="120000"/>
+              </a:lnSpc>
+              <a:spcBef>
+                <a:spcPts val="600"/>
+              </a:spcBef>
+              <a:spcAft>
+                <a:spcPts val="600"/>
+              </a:spcAft>
+              <a:buFont typeface="Wingdings" panose="05000000000000000000" pitchFamily="2" charset="2"/>
+              <a:buChar char="§"/>
+              <a:defRPr/>
+            </a:pPr>
+            <a:r>
+              <a:rPr kumimoji="0" lang="en-US" sz="3200" b="0" i="0" u="none" strike="noStrike" kern="1200" cap="none" spc="0" normalizeH="0" baseline="0" noProof="0" dirty="0">
+                <a:ln>
+                  <a:noFill/>
+                </a:ln>
+                <a:solidFill>
+                  <a:srgbClr val="234465"/>
+                </a:solidFill>
+                <a:effectLst/>
+                <a:uLnTx/>
+                <a:uFillTx/>
+                <a:latin typeface="Calibri"/>
+                <a:ea typeface="+mn-ea"/>
+                <a:cs typeface="+mn-cs"/>
+                <a:hlinkClick r:id="rId4"/>
+              </a:rPr>
+              <a:t>https://github.com/BG-IT-Edu</a:t>
+            </a:r>
+            <a:endParaRPr kumimoji="0" lang="bg-BG" sz="3200" b="0" i="0" u="none" strike="noStrike" kern="1200" cap="none" spc="0" normalizeH="0" baseline="0" noProof="0" dirty="0">
+              <a:ln>
+                <a:noFill/>
+              </a:ln>
+              <a:solidFill>
+                <a:srgbClr val="234465"/>
+              </a:solidFill>
+              <a:effectLst/>
+              <a:uLnTx/>
+              <a:uFillTx/>
+              <a:latin typeface="Calibri"/>
+              <a:ea typeface="+mn-ea"/>
+              <a:cs typeface="+mn-cs"/>
+            </a:endParaRPr>
+          </a:p>
+        </p:txBody>
+      </p:sp>
+      <p:pic>
+        <p:nvPicPr>
+          <p:cNvPr id="7" name="Picture 6" title="CC-BY-NC-SA License">
+            <a:hlinkClick r:id="rId5" tooltip="This work is licensed under the &quot;Creative Commons Attribution-NonCommercial-ShareAlike 4.0 International&quot; license"/>
+            <a:extLst>
+              <a:ext uri="{FF2B5EF4-FFF2-40B4-BE49-F238E27FC236}">
+                <a16:creationId xmlns:a16="http://schemas.microsoft.com/office/drawing/2014/main" id="{F6C77C47-F7D8-A176-5C69-7FDE5C7E8003}"/>
+              </a:ext>
+            </a:extLst>
+          </p:cNvPr>
+          <p:cNvPicPr>
+            <a:picLocks noChangeAspect="1" noChangeArrowheads="1"/>
+          </p:cNvPicPr>
+          <p:nvPr/>
+        </p:nvPicPr>
+        <p:blipFill>
+          <a:blip r:embed="rId6">
+            <a:extLst>
+              <a:ext uri="{28A0092B-C50C-407E-A947-70E740481C1C}">
+                <a14:useLocalDpi xmlns:a14="http://schemas.microsoft.com/office/drawing/2010/main"/>
+              </a:ext>
+            </a:extLst>
+          </a:blip>
+          <a:srcRect/>
+          <a:stretch>
+            <a:fillRect/>
+          </a:stretch>
+        </p:blipFill>
+        <p:spPr bwMode="auto">
+          <a:xfrm>
+            <a:off x="9831000" y="2908593"/>
+            <a:ext cx="1989336" cy="696022"/>
+          </a:xfrm>
+          <a:prstGeom prst="roundRect">
+            <a:avLst>
+              <a:gd name="adj" fmla="val 3940"/>
+            </a:avLst>
+          </a:prstGeom>
+          <a:solidFill>
+            <a:srgbClr val="231F20">
+              <a:alpha val="50000"/>
+            </a:srgbClr>
+          </a:solidFill>
+          <a:ln>
+            <a:noFill/>
+          </a:ln>
+        </p:spPr>
+      </p:pic>
+    </p:spTree>
+    <p:extLst>
+      <p:ext uri="{BB962C8B-B14F-4D97-AF65-F5344CB8AC3E}">
+        <p14:creationId xmlns:p14="http://schemas.microsoft.com/office/powerpoint/2010/main" val="3879276042"/>
+      </p:ext>
+    </p:extLst>
+  </p:cSld>
+  <p:clrMapOvr>
+    <a:masterClrMapping/>
+  </p:clrMapOvr>
+  <mc:AlternateContent xmlns:mc="http://schemas.openxmlformats.org/markup-compatibility/2006" xmlns:p14="http://schemas.microsoft.com/office/powerpoint/2010/main">
+    <mc:Choice Requires="p14">
+      <p:transition spd="slow" p14:dur="2000" advClick="0" advTm="5000"/>
+    </mc:Choice>
+    <mc:Fallback xmlns="">
+      <p:transition spd="slow" advClick="0" advTm="5000"/>
+    </mc:Fallback>
+  </mc:AlternateContent>
+</p:sld>
+</file>
+
 <file path=ppt/slides/slide3.xml><?xml version="1.0" encoding="utf-8"?>
 <p:sld xmlns:a="http://schemas.openxmlformats.org/drawingml/2006/main" xmlns:r="http://schemas.openxmlformats.org/officeDocument/2006/relationships" xmlns:p="http://schemas.openxmlformats.org/presentationml/2006/main">
   <p:cSld>
@@ -12474,7 +13594,15 @@
             </a:r>
             <a:r>
               <a:rPr lang="bg-BG" dirty="0" smtClean="0"/>
-              <a:t>, които се бработват от </a:t>
+              <a:t>, които </a:t>
+            </a:r>
+            <a:r>
+              <a:rPr lang="bg-BG" dirty="0" smtClean="0"/>
+              <a:t>се използват и </a:t>
+            </a:r>
+            <a:r>
+              <a:rPr lang="bg-BG" dirty="0" smtClean="0"/>
+              <a:t>бработват от </a:t>
             </a:r>
             <a:r>
               <a:rPr lang="bg-BG" dirty="0"/>
@@ -13150,7 +14278,11 @@
             </a:r>
             <a:r>
               <a:rPr lang="bg-BG" dirty="0" smtClean="0"/>
-              <a:t> – мястото, където се въвеждат данните</a:t>
+              <a:t> – мястото, където се </a:t>
+            </a:r>
+            <a:r>
+              <a:rPr lang="bg-BG" b="1" dirty="0" smtClean="0"/>
+              <a:t>въвеждат данните</a:t>
             </a:r>
           </a:p>
           <a:p>
@@ -13160,7 +14292,15 @@
             </a:r>
             <a:r>
               <a:rPr lang="bg-BG" dirty="0" smtClean="0"/>
-              <a:t> – хоризонтално разположени клетки</a:t>
+              <a:t> – </a:t>
+            </a:r>
+            <a:r>
+              <a:rPr lang="bg-BG" b="1" dirty="0" smtClean="0"/>
+              <a:t>хоризонтално</a:t>
+            </a:r>
+            <a:r>
+              <a:rPr lang="bg-BG" dirty="0" smtClean="0"/>
+              <a:t> разположени клетки</a:t>
             </a:r>
           </a:p>
           <a:p>
@@ -13174,8 +14314,12 @@
               <a:t> </a:t>
             </a:r>
             <a:r>
+              <a:rPr lang="bg-BG" b="1" dirty="0" smtClean="0"/>
+              <a:t>последователни числа </a:t>
+            </a:r>
+            <a:r>
               <a:rPr lang="bg-BG" dirty="0" smtClean="0"/>
-              <a:t>последователни числа от </a:t>
+              <a:t>от </a:t>
             </a:r>
             <a:r>
               <a:rPr lang="bg-BG" b="1" dirty="0" smtClean="0"/>
@@ -13206,22 +14350,58 @@
             </a:r>
             <a:r>
               <a:rPr lang="bg-BG" b="1" dirty="0" smtClean="0"/>
-              <a:t> </a:t>
+              <a:t> вертикално</a:t>
             </a:r>
             <a:r>
               <a:rPr lang="bg-BG" dirty="0" smtClean="0"/>
-              <a:t>вертикално разположени клетки</a:t>
+              <a:t> разположени клетки</a:t>
             </a:r>
           </a:p>
           <a:p>
             <a:pPr lvl="1"/>
             <a:r>
               <a:rPr lang="bg-BG" dirty="0" smtClean="0"/>
-              <a:t>Означават се с букви от латинската азбука (</a:t>
+              <a:t>Означават се с букви от </a:t>
+            </a:r>
+            <a:r>
+              <a:rPr lang="bg-BG" b="1" dirty="0" smtClean="0"/>
+              <a:t>латинската азбука </a:t>
+            </a:r>
+            <a:r>
+              <a:rPr lang="bg-BG" dirty="0" smtClean="0"/>
+              <a:t>(</a:t>
+            </a:r>
+            <a:r>
+              <a:rPr lang="en-US" b="1" dirty="0" smtClean="0"/>
+              <a:t>A</a:t>
             </a:r>
             <a:r>
               <a:rPr lang="en-US" dirty="0" smtClean="0"/>
-              <a:t>A, B…, AA, AB…</a:t>
+              <a:t>, </a:t>
+            </a:r>
+            <a:r>
+              <a:rPr lang="en-US" b="1" dirty="0" smtClean="0"/>
+              <a:t>B</a:t>
+            </a:r>
+            <a:r>
+              <a:rPr lang="en-US" dirty="0" smtClean="0"/>
+              <a:t>…, </a:t>
+            </a:r>
+            <a:r>
+              <a:rPr lang="en-US" b="1" dirty="0" smtClean="0"/>
+              <a:t>AA</a:t>
+            </a:r>
+            <a:r>
+              <a:rPr lang="en-US" dirty="0" smtClean="0"/>
+              <a:t>, </a:t>
+            </a:r>
+            <a:r>
+              <a:rPr lang="en-US" b="1" dirty="0" smtClean="0"/>
+              <a:t>AB</a:t>
+            </a:r>
+            <a:r>
+              <a:rPr lang="en-US" dirty="0" smtClean="0"/>
+              <a:t>…</a:t>
             </a:r>
             <a:r>
               <a:rPr lang="bg-BG" dirty="0" smtClean="0"/>
@@ -13236,11 +14416,31 @@
             </a:r>
             <a:r>
               <a:rPr lang="bg-BG" dirty="0" smtClean="0"/>
-              <a:t>– образува се от пресичането на колоните и редовете  и имената им (</a:t>
+              <a:t>– образува се от </a:t>
+            </a:r>
+            <a:r>
+              <a:rPr lang="bg-BG" b="1" dirty="0" smtClean="0"/>
+              <a:t>пресичането</a:t>
+            </a:r>
+            <a:r>
+              <a:rPr lang="bg-BG" dirty="0" smtClean="0"/>
+              <a:t> на колоните и редовете  и имената им (</a:t>
+            </a:r>
+            <a:r>
+              <a:rPr lang="en-US" b="1" dirty="0" smtClean="0"/>
+              <a:t>A1</a:t>
             </a:r>
             <a:r>
               <a:rPr lang="en-US" dirty="0" smtClean="0"/>
-              <a:t>A1, AB42…</a:t>
+              <a:t>, </a:t>
+            </a:r>
+            <a:r>
+              <a:rPr lang="en-US" b="1" dirty="0" smtClean="0"/>
+              <a:t>AB42</a:t>
+            </a:r>
+            <a:r>
+              <a:rPr lang="en-US" dirty="0" smtClean="0"/>
+              <a:t>…</a:t>
             </a:r>
             <a:r>
               <a:rPr lang="bg-BG" dirty="0" smtClean="0"/>
@@ -13267,7 +14467,19 @@
           <a:p>
             <a:r>
               <a:rPr lang="bg-BG" dirty="0" smtClean="0"/>
-              <a:t>Основни елементи на ел. Таблица (1)</a:t>
+              <a:t>Основни елементи на ел. </a:t>
+            </a:r>
+            <a:r>
+              <a:rPr lang="bg-BG" dirty="0" smtClean="0"/>
+              <a:t>т</a:t>
+            </a:r>
+            <a:r>
+              <a:rPr lang="bg-BG" dirty="0" smtClean="0"/>
+              <a:t>аблица (1</a:t>
+            </a:r>
+            <a:r>
+              <a:rPr lang="bg-BG" dirty="0" smtClean="0"/>
+              <a:t>)</a:t>
             </a:r>
             <a:endParaRPr lang="en-US" dirty="0"/>
           </a:p>
@@ -13294,7 +14506,239 @@
   <p:timing>
     <p:tnLst>
       <p:par>
-        <p:cTn id="1" dur="indefinite" restart="never" nodeType="tmRoot"/>
+        <p:cTn id="1" dur="indefinite" restart="never" nodeType="tmRoot">
+          <p:childTnLst>
+            <p:seq concurrent="1" nextAc="seek">
+              <p:cTn id="2" dur="indefinite" nodeType="mainSeq">
+                <p:childTnLst>
+                  <p:par>
+                    <p:cTn id="3" fill="hold">
+                      <p:stCondLst>
+                        <p:cond delay="indefinite"/>
+                      </p:stCondLst>
+                      <p:childTnLst>
+                        <p:par>
+                          <p:cTn id="4" fill="hold">
+                            <p:stCondLst>
+                              <p:cond delay="0"/>
+                            </p:stCondLst>
+                            <p:childTnLst>
+                              <p:par>
+                                <p:cTn id="5" presetID="1" presetClass="entr" presetSubtype="0" fill="hold" nodeType="clickEffect">
+                                  <p:stCondLst>
+                                    <p:cond delay="0"/>
+                                  </p:stCondLst>
+                                  <p:childTnLst>
+                                    <p:set>
+                                      <p:cBhvr>
+                                        <p:cTn id="6" dur="1" fill="hold">
+                                          <p:stCondLst>
+                                            <p:cond delay="0"/>
+                                          </p:stCondLst>
+                                        </p:cTn>
+                                        <p:tgtEl>
+                                          <p:spTgt spid="12">
+                                            <p:txEl>
+                                              <p:pRg st="1" end="1"/>
+                                            </p:txEl>
+                                          </p:spTgt>
+                                        </p:tgtEl>
+                                        <p:attrNameLst>
+                                          <p:attrName>style.visibility</p:attrName>
+                                        </p:attrNameLst>
+                                      </p:cBhvr>
+                                      <p:to>
+                                        <p:strVal val="visible"/>
+                                      </p:to>
+                                    </p:set>
+                                  </p:childTnLst>
+                                </p:cTn>
+                              </p:par>
+                              <p:par>
+                                <p:cTn id="7" presetID="1" presetClass="entr" presetSubtype="0" fill="hold" nodeType="withEffect">
+                                  <p:stCondLst>
+                                    <p:cond delay="0"/>
+                                  </p:stCondLst>
+                                  <p:childTnLst>
+                                    <p:set>
+                                      <p:cBhvr>
+                                        <p:cTn id="8" dur="1" fill="hold">
+                                          <p:stCondLst>
+                                            <p:cond delay="0"/>
+                                          </p:stCondLst>
+                                        </p:cTn>
+                                        <p:tgtEl>
+                                          <p:spTgt spid="12">
+                                            <p:txEl>
+                                              <p:pRg st="2" end="2"/>
+                                            </p:txEl>
+                                          </p:spTgt>
+                                        </p:tgtEl>
+                                        <p:attrNameLst>
+                                          <p:attrName>style.visibility</p:attrName>
+                                        </p:attrNameLst>
+                                      </p:cBhvr>
+                                      <p:to>
+                                        <p:strVal val="visible"/>
+                                      </p:to>
+                                    </p:set>
+                                  </p:childTnLst>
+                                </p:cTn>
+                              </p:par>
+                            </p:childTnLst>
+                          </p:cTn>
+                        </p:par>
+                      </p:childTnLst>
+                    </p:cTn>
+                  </p:par>
+                  <p:par>
+                    <p:cTn id="9" fill="hold">
+                      <p:stCondLst>
+                        <p:cond delay="indefinite"/>
+                      </p:stCondLst>
+                      <p:childTnLst>
+                        <p:par>
+                          <p:cTn id="10" fill="hold">
+                            <p:stCondLst>
+                              <p:cond delay="0"/>
+                            </p:stCondLst>
+                            <p:childTnLst>
+                              <p:par>
+                                <p:cTn id="11" presetID="1" presetClass="entr" presetSubtype="0" fill="hold" nodeType="clickEffect">
+                                  <p:stCondLst>
+                                    <p:cond delay="0"/>
+                                  </p:stCondLst>
+                                  <p:childTnLst>
+                                    <p:set>
+                                      <p:cBhvr>
+                                        <p:cTn id="12" dur="1" fill="hold">
+                                          <p:stCondLst>
+                                            <p:cond delay="0"/>
+                                          </p:stCondLst>
+                                        </p:cTn>
+                                        <p:tgtEl>
+                                          <p:spTgt spid="12">
+                                            <p:txEl>
+                                              <p:pRg st="3" end="3"/>
+                                            </p:txEl>
+                                          </p:spTgt>
+                                        </p:tgtEl>
+                                        <p:attrNameLst>
+                                          <p:attrName>style.visibility</p:attrName>
+                                        </p:attrNameLst>
+                                      </p:cBhvr>
+                                      <p:to>
+                                        <p:strVal val="visible"/>
+                                      </p:to>
+                                    </p:set>
+                                  </p:childTnLst>
+                                </p:cTn>
+                              </p:par>
+                              <p:par>
+                                <p:cTn id="13" presetID="1" presetClass="entr" presetSubtype="0" fill="hold" nodeType="withEffect">
+                                  <p:stCondLst>
+                                    <p:cond delay="0"/>
+                                  </p:stCondLst>
+                                  <p:childTnLst>
+                                    <p:set>
+                                      <p:cBhvr>
+                                        <p:cTn id="14" dur="1" fill="hold">
+                                          <p:stCondLst>
+                                            <p:cond delay="0"/>
+                                          </p:stCondLst>
+                                        </p:cTn>
+                                        <p:tgtEl>
+                                          <p:spTgt spid="12">
+                                            <p:txEl>
+                                              <p:pRg st="4" end="4"/>
+                                            </p:txEl>
+                                          </p:spTgt>
+                                        </p:tgtEl>
+                                        <p:attrNameLst>
+                                          <p:attrName>style.visibility</p:attrName>
+                                        </p:attrNameLst>
+                                      </p:cBhvr>
+                                      <p:to>
+                                        <p:strVal val="visible"/>
+                                      </p:to>
+                                    </p:set>
+                                  </p:childTnLst>
+                                </p:cTn>
+                              </p:par>
+                            </p:childTnLst>
+                          </p:cTn>
+                        </p:par>
+                      </p:childTnLst>
+                    </p:cTn>
+                  </p:par>
+                  <p:par>
+                    <p:cTn id="15" fill="hold">
+                      <p:stCondLst>
+                        <p:cond delay="indefinite"/>
+                      </p:stCondLst>
+                      <p:childTnLst>
+                        <p:par>
+                          <p:cTn id="16" fill="hold">
+                            <p:stCondLst>
+                              <p:cond delay="0"/>
+                            </p:stCondLst>
+                            <p:childTnLst>
+                              <p:par>
+                                <p:cTn id="17" presetID="1" presetClass="entr" presetSubtype="0" fill="hold" nodeType="clickEffect">
+                                  <p:stCondLst>
+                                    <p:cond delay="0"/>
+                                  </p:stCondLst>
+                                  <p:childTnLst>
+                                    <p:set>
+                                      <p:cBhvr>
+                                        <p:cTn id="18" dur="1" fill="hold">
+                                          <p:stCondLst>
+                                            <p:cond delay="0"/>
+                                          </p:stCondLst>
+                                        </p:cTn>
+                                        <p:tgtEl>
+                                          <p:spTgt spid="12">
+                                            <p:txEl>
+                                              <p:pRg st="5" end="5"/>
+                                            </p:txEl>
+                                          </p:spTgt>
+                                        </p:tgtEl>
+                                        <p:attrNameLst>
+                                          <p:attrName>style.visibility</p:attrName>
+                                        </p:attrNameLst>
+                                      </p:cBhvr>
+                                      <p:to>
+                                        <p:strVal val="visible"/>
+                                      </p:to>
+                                    </p:set>
+                                  </p:childTnLst>
+                                </p:cTn>
+                              </p:par>
+                            </p:childTnLst>
+                          </p:cTn>
+                        </p:par>
+                      </p:childTnLst>
+                    </p:cTn>
+                  </p:par>
+                </p:childTnLst>
+              </p:cTn>
+              <p:prevCondLst>
+                <p:cond evt="onPrev" delay="0">
+                  <p:tgtEl>
+                    <p:sldTgt/>
+                  </p:tgtEl>
+                </p:cond>
+              </p:prevCondLst>
+              <p:nextCondLst>
+                <p:cond evt="onNext" delay="0">
+                  <p:tgtEl>
+                    <p:sldTgt/>
+                  </p:tgtEl>
+                </p:cond>
+              </p:nextCondLst>
+            </p:seq>
+          </p:childTnLst>
+        </p:cTn>
       </p:par>
     </p:tnLst>
   </p:timing>
@@ -13363,7 +14807,19 @@
             </a:r>
             <a:r>
               <a:rPr lang="bg-BG" dirty="0" smtClean="0"/>
-              <a:t>ел. Таблица (2)</a:t>
+              <a:t>ел. </a:t>
+            </a:r>
+            <a:r>
+              <a:rPr lang="bg-BG" dirty="0"/>
+              <a:t>т</a:t>
+            </a:r>
+            <a:r>
+              <a:rPr lang="bg-BG" dirty="0" smtClean="0"/>
+              <a:t>аблица </a:t>
+            </a:r>
+            <a:r>
+              <a:rPr lang="bg-BG" dirty="0" smtClean="0"/>
+              <a:t>(2)</a:t>
             </a:r>
             <a:endParaRPr lang="en-US" dirty="0"/>
           </a:p>
@@ -13835,8 +15291,8 @@
         </p:nvSpPr>
         <p:spPr bwMode="auto">
           <a:xfrm>
-            <a:off x="1663501" y="2631699"/>
-            <a:ext cx="1800000" cy="621231"/>
+            <a:off x="2000999" y="2631699"/>
+            <a:ext cx="1462501" cy="621231"/>
           </a:xfrm>
           <a:prstGeom prst="wedgeRoundRectCallout">
             <a:avLst>

--- a/Courses/Computer-Modeling-and-IT/Computer-Modeling-and-IT-5-Class/30-Introduction-To-Spreadsheets/30-Introduction-To-Spreadsheets.pptx
+++ b/Courses/Computer-Modeling-and-IT/Computer-Modeling-and-IT-5-Class/30-Introduction-To-Spreadsheets/30-Introduction-To-Spreadsheets.pptx
@@ -295,7 +295,7 @@
           <a:p>
             <a:fld id="{4E087215-0C8F-4762-A664-737A353EC9A4}" type="datetimeFigureOut">
               <a:rPr lang="bg-BG" smtClean="0"/>
-              <a:t>3.10.2023 г.</a:t>
+              <a:t>7.10.2023 г.</a:t>
             </a:fld>
             <a:endParaRPr lang="bg-BG"/>
           </a:p>
@@ -491,7 +491,7 @@
           <a:p>
             <a:fld id="{72D84649-876A-46C9-8472-14CB09C070D8}" type="datetimeFigureOut">
               <a:rPr lang="en-US" smtClean="0"/>
-              <a:t>10/3/2023</a:t>
+              <a:t>10/7/2023</a:t>
             </a:fld>
             <a:endParaRPr lang="en-US"/>
           </a:p>
@@ -12436,11 +12436,7 @@
             </a:r>
             <a:r>
               <a:rPr lang="bg-BG" b="1" dirty="0" smtClean="0"/>
-              <a:t>Електронни </a:t>
-            </a:r>
-            <a:r>
-              <a:rPr lang="bg-BG" b="1" dirty="0" smtClean="0"/>
-              <a:t>таблици</a:t>
+              <a:t>Електронни таблици</a:t>
             </a:r>
           </a:p>
           <a:p>
@@ -12454,11 +12450,7 @@
             </a:r>
             <a:r>
               <a:rPr lang="bg-BG" dirty="0" smtClean="0"/>
-              <a:t> </a:t>
-            </a:r>
-            <a:r>
-              <a:rPr lang="bg-BG" dirty="0" smtClean="0"/>
-              <a:t>на електронна таблица</a:t>
+              <a:t> на електронна таблица</a:t>
             </a:r>
           </a:p>
           <a:p>
@@ -12468,11 +12460,7 @@
             </a:r>
             <a:r>
               <a:rPr lang="en-US" b="1" dirty="0" smtClean="0"/>
-              <a:t>Microsoft </a:t>
-            </a:r>
-            <a:r>
-              <a:rPr lang="en-US" b="1" dirty="0" smtClean="0"/>
-              <a:t>Excel</a:t>
+              <a:t>Microsoft Excel</a:t>
             </a:r>
           </a:p>
           <a:p>
@@ -12486,11 +12474,7 @@
             </a:r>
             <a:r>
               <a:rPr lang="bg-BG" dirty="0" smtClean="0"/>
-              <a:t> </a:t>
-            </a:r>
-            <a:r>
-              <a:rPr lang="bg-BG" dirty="0" smtClean="0"/>
-              <a:t>и </a:t>
+              <a:t> и </a:t>
             </a:r>
             <a:r>
               <a:rPr lang="bg-BG" b="1" dirty="0" smtClean="0"/>
@@ -12893,7 +12877,7 @@
                 <a:hlinkClick r:id="rId3">
                   <a:extLst>
                     <a:ext uri="{A12FA001-AC4F-418D-AE19-62706E023703}">
-                      <ahyp:hlinkClr xmlns="" xmlns:ahyp="http://schemas.microsoft.com/office/drawing/2018/hyperlinkcolor" val="tx"/>
+                      <ahyp:hlinkClr xmlns:ahyp="http://schemas.microsoft.com/office/drawing/2018/hyperlinkcolor" xmlns="" val="tx"/>
                     </a:ext>
                   </a:extLst>
                 </a:hlinkClick>
@@ -13552,8 +13536,8 @@
         </p:nvSpPr>
         <p:spPr>
           <a:xfrm>
-            <a:off x="190402" y="1196125"/>
-            <a:ext cx="6085598" cy="4752875"/>
+            <a:off x="1866000" y="1121143"/>
+            <a:ext cx="10129234" cy="2577857"/>
           </a:xfrm>
         </p:spPr>
         <p:txBody>
@@ -13594,15 +13578,7 @@
             </a:r>
             <a:r>
               <a:rPr lang="bg-BG" dirty="0" smtClean="0"/>
-              <a:t>, които </a:t>
-            </a:r>
-            <a:r>
-              <a:rPr lang="bg-BG" dirty="0" smtClean="0"/>
-              <a:t>се използват и </a:t>
-            </a:r>
-            <a:r>
-              <a:rPr lang="bg-BG" dirty="0" smtClean="0"/>
-              <a:t>бработват от </a:t>
+              <a:t>, които се използват и бработват от </a:t>
             </a:r>
             <a:r>
               <a:rPr lang="bg-BG" dirty="0"/>
@@ -13679,8 +13655,8 @@
         </p:blipFill>
         <p:spPr>
           <a:xfrm>
-            <a:off x="6276000" y="1764000"/>
-            <a:ext cx="5683064" cy="3915000"/>
+            <a:off x="4611000" y="3836739"/>
+            <a:ext cx="3926992" cy="2705261"/>
           </a:xfrm>
           <a:prstGeom prst="rect">
             <a:avLst/>
@@ -13746,7 +13722,7 @@
             <a:spLocks noGrp="1"/>
           </p:cNvSpPr>
           <p:nvPr>
-            <p:ph type="sldNum" sz="quarter" idx="5"/>
+            <p:ph type="sldNum" sz="quarter" idx="4"/>
           </p:nvPr>
         </p:nvSpPr>
         <p:spPr/>
@@ -14467,19 +14443,7 @@
           <a:p>
             <a:r>
               <a:rPr lang="bg-BG" dirty="0" smtClean="0"/>
-              <a:t>Основни елементи на ел. </a:t>
-            </a:r>
-            <a:r>
-              <a:rPr lang="bg-BG" dirty="0" smtClean="0"/>
-              <a:t>т</a:t>
-            </a:r>
-            <a:r>
-              <a:rPr lang="bg-BG" dirty="0" smtClean="0"/>
-              <a:t>аблица (1</a:t>
-            </a:r>
-            <a:r>
-              <a:rPr lang="bg-BG" dirty="0" smtClean="0"/>
-              <a:t>)</a:t>
+              <a:t>Основни елементи на ел. таблица (1)</a:t>
             </a:r>
             <a:endParaRPr lang="en-US" dirty="0"/>
           </a:p>
@@ -14815,11 +14779,7 @@
             </a:r>
             <a:r>
               <a:rPr lang="bg-BG" dirty="0" smtClean="0"/>
-              <a:t>аблица </a:t>
-            </a:r>
-            <a:r>
-              <a:rPr lang="bg-BG" dirty="0" smtClean="0"/>
-              <a:t>(2)</a:t>
+              <a:t>аблица (2)</a:t>
             </a:r>
             <a:endParaRPr lang="en-US" dirty="0"/>
           </a:p>

--- a/Courses/Computer-Modeling-and-IT/Computer-Modeling-and-IT-5-Class/30-Introduction-To-Spreadsheets/30-Introduction-To-Spreadsheets.pptx
+++ b/Courses/Computer-Modeling-and-IT/Computer-Modeling-and-IT-5-Class/30-Introduction-To-Spreadsheets/30-Introduction-To-Spreadsheets.pptx
@@ -295,7 +295,7 @@
           <a:p>
             <a:fld id="{4E087215-0C8F-4762-A664-737A353EC9A4}" type="datetimeFigureOut">
               <a:rPr lang="bg-BG" smtClean="0"/>
-              <a:t>7.10.2023 г.</a:t>
+              <a:t>9.10.2023 г.</a:t>
             </a:fld>
             <a:endParaRPr lang="bg-BG"/>
           </a:p>
@@ -491,7 +491,7 @@
           <a:p>
             <a:fld id="{72D84649-876A-46C9-8472-14CB09C070D8}" type="datetimeFigureOut">
               <a:rPr lang="en-US" smtClean="0"/>
-              <a:t>10/7/2023</a:t>
+              <a:t>10/9/2023</a:t>
             </a:fld>
             <a:endParaRPr lang="en-US"/>
           </a:p>
@@ -8838,7 +8838,7 @@
         <p:spPr bwMode="auto">
           <a:xfrm>
             <a:off x="1011000" y="2889000"/>
-            <a:ext cx="5400000" cy="1665000"/>
+            <a:ext cx="5715000" cy="1665000"/>
           </a:xfrm>
           <a:prstGeom prst="wedgeRoundRectCallout">
             <a:avLst>
@@ -8979,7 +8979,22 @@
                   </a:outerShdw>
                 </a:effectLst>
               </a:rPr>
-              <a:t>и избираме съответната команда</a:t>
+              <a:t>и избираме съответната </a:t>
+            </a:r>
+            <a:r>
+              <a:rPr lang="bg-BG" sz="2800" b="1" dirty="0" smtClean="0">
+                <a:solidFill>
+                  <a:srgbClr val="FFFFFF"/>
+                </a:solidFill>
+                <a:effectLst>
+                  <a:outerShdw blurRad="38100" dist="38100" dir="2700000" algn="tl">
+                    <a:srgbClr val="000000">
+                      <a:alpha val="43137"/>
+                    </a:srgbClr>
+                  </a:outerShdw>
+                </a:effectLst>
+              </a:rPr>
+              <a:t>команда за запазване</a:t>
             </a:r>
             <a:endParaRPr lang="en-US" sz="2800" b="1" dirty="0">
               <a:solidFill>
@@ -12877,7 +12892,7 @@
                 <a:hlinkClick r:id="rId3">
                   <a:extLst>
                     <a:ext uri="{A12FA001-AC4F-418D-AE19-62706E023703}">
-                      <ahyp:hlinkClr xmlns:ahyp="http://schemas.microsoft.com/office/drawing/2018/hyperlinkcolor" xmlns="" val="tx"/>
+                      <ahyp:hlinkClr xmlns="" xmlns:ahyp="http://schemas.microsoft.com/office/drawing/2018/hyperlinkcolor" val="tx"/>
                     </a:ext>
                   </a:extLst>
                 </a:hlinkClick>
